--- a/何等恩典(崇拜版).pptx
+++ b/何等恩典(崇拜版).pptx
@@ -9,7 +9,7 @@
     <p:sldId id="257" r:id="rId3"/>
     <p:sldId id="258" r:id="rId4"/>
   </p:sldIdLst>
-  <p:sldSz cx="9144000" cy="6858000" type="screen4x3"/>
+  <p:sldSz cx="9144000" cy="5143500" type="screen16x9"/>
   <p:notesSz cx="6858000" cy="9144000"/>
   <p:defaultTextStyle>
     <a:defPPr>
@@ -138,8 +138,8 @@
         </p:nvSpPr>
         <p:spPr>
           <a:xfrm>
-            <a:off x="685800" y="2130425"/>
-            <a:ext cx="7772400" cy="1470025"/>
+            <a:off x="685800" y="1597819"/>
+            <a:ext cx="7772400" cy="1102519"/>
           </a:xfrm>
         </p:spPr>
         <p:txBody>
@@ -166,8 +166,8 @@
         </p:nvSpPr>
         <p:spPr>
           <a:xfrm>
-            <a:off x="1371600" y="3886200"/>
-            <a:ext cx="6400800" cy="1752600"/>
+            <a:off x="1371600" y="2914650"/>
+            <a:ext cx="6400800" cy="1314450"/>
           </a:xfrm>
         </p:spPr>
         <p:txBody>
@@ -290,7 +290,7 @@
           <a:p>
             <a:fld id="{304EAD91-56F9-4EB2-AFAA-94188B17C6C2}" type="datetimeFigureOut">
               <a:rPr lang="zh-TW" altLang="en-US" smtClean="0"/>
-              <a:t>2018/3/18</a:t>
+              <a:t>2019/7/20</a:t>
             </a:fld>
             <a:endParaRPr lang="zh-TW" altLang="en-US"/>
           </a:p>
@@ -455,7 +455,7 @@
           <a:p>
             <a:fld id="{304EAD91-56F9-4EB2-AFAA-94188B17C6C2}" type="datetimeFigureOut">
               <a:rPr lang="zh-TW" altLang="en-US" smtClean="0"/>
-              <a:t>2018/3/18</a:t>
+              <a:t>2019/7/20</a:t>
             </a:fld>
             <a:endParaRPr lang="zh-TW" altLang="en-US"/>
           </a:p>
@@ -540,8 +540,8 @@
         </p:nvSpPr>
         <p:spPr>
           <a:xfrm>
-            <a:off x="6629400" y="274638"/>
-            <a:ext cx="2057400" cy="5851525"/>
+            <a:off x="6629400" y="205979"/>
+            <a:ext cx="2057400" cy="4388644"/>
           </a:xfrm>
         </p:spPr>
         <p:txBody>
@@ -568,8 +568,8 @@
         </p:nvSpPr>
         <p:spPr>
           <a:xfrm>
-            <a:off x="457200" y="274638"/>
-            <a:ext cx="6019800" cy="5851525"/>
+            <a:off x="457200" y="205979"/>
+            <a:ext cx="6019800" cy="4388644"/>
           </a:xfrm>
         </p:spPr>
         <p:txBody>
@@ -630,7 +630,7 @@
           <a:p>
             <a:fld id="{304EAD91-56F9-4EB2-AFAA-94188B17C6C2}" type="datetimeFigureOut">
               <a:rPr lang="zh-TW" altLang="en-US" smtClean="0"/>
-              <a:t>2018/3/18</a:t>
+              <a:t>2019/7/20</a:t>
             </a:fld>
             <a:endParaRPr lang="zh-TW" altLang="en-US"/>
           </a:p>
@@ -795,7 +795,7 @@
           <a:p>
             <a:fld id="{304EAD91-56F9-4EB2-AFAA-94188B17C6C2}" type="datetimeFigureOut">
               <a:rPr lang="zh-TW" altLang="en-US" smtClean="0"/>
-              <a:t>2018/3/18</a:t>
+              <a:t>2019/7/20</a:t>
             </a:fld>
             <a:endParaRPr lang="zh-TW" altLang="en-US"/>
           </a:p>
@@ -880,8 +880,8 @@
         </p:nvSpPr>
         <p:spPr>
           <a:xfrm>
-            <a:off x="722313" y="4406900"/>
-            <a:ext cx="7772400" cy="1362075"/>
+            <a:off x="722313" y="3305176"/>
+            <a:ext cx="7772400" cy="1021556"/>
           </a:xfrm>
         </p:spPr>
         <p:txBody>
@@ -912,8 +912,8 @@
         </p:nvSpPr>
         <p:spPr>
           <a:xfrm>
-            <a:off x="722313" y="2906713"/>
-            <a:ext cx="7772400" cy="1500187"/>
+            <a:off x="722313" y="2180035"/>
+            <a:ext cx="7772400" cy="1125140"/>
           </a:xfrm>
         </p:spPr>
         <p:txBody>
@@ -1036,7 +1036,7 @@
           <a:p>
             <a:fld id="{304EAD91-56F9-4EB2-AFAA-94188B17C6C2}" type="datetimeFigureOut">
               <a:rPr lang="zh-TW" altLang="en-US" smtClean="0"/>
-              <a:t>2018/3/18</a:t>
+              <a:t>2019/7/20</a:t>
             </a:fld>
             <a:endParaRPr lang="zh-TW" altLang="en-US"/>
           </a:p>
@@ -1144,8 +1144,8 @@
         </p:nvSpPr>
         <p:spPr>
           <a:xfrm>
-            <a:off x="457200" y="1600200"/>
-            <a:ext cx="4038600" cy="4525963"/>
+            <a:off x="457200" y="1200151"/>
+            <a:ext cx="4038600" cy="3394472"/>
           </a:xfrm>
         </p:spPr>
         <p:txBody>
@@ -1229,8 +1229,8 @@
         </p:nvSpPr>
         <p:spPr>
           <a:xfrm>
-            <a:off x="4648200" y="1600200"/>
-            <a:ext cx="4038600" cy="4525963"/>
+            <a:off x="4648200" y="1200151"/>
+            <a:ext cx="4038600" cy="3394472"/>
           </a:xfrm>
         </p:spPr>
         <p:txBody>
@@ -1319,7 +1319,7 @@
           <a:p>
             <a:fld id="{304EAD91-56F9-4EB2-AFAA-94188B17C6C2}" type="datetimeFigureOut">
               <a:rPr lang="zh-TW" altLang="en-US" smtClean="0"/>
-              <a:t>2018/3/18</a:t>
+              <a:t>2019/7/20</a:t>
             </a:fld>
             <a:endParaRPr lang="zh-TW" altLang="en-US"/>
           </a:p>
@@ -1431,8 +1431,8 @@
         </p:nvSpPr>
         <p:spPr>
           <a:xfrm>
-            <a:off x="457200" y="1535113"/>
-            <a:ext cx="4040188" cy="639762"/>
+            <a:off x="457200" y="1151335"/>
+            <a:ext cx="4040188" cy="479822"/>
           </a:xfrm>
         </p:spPr>
         <p:txBody>
@@ -1496,8 +1496,8 @@
         </p:nvSpPr>
         <p:spPr>
           <a:xfrm>
-            <a:off x="457200" y="2174875"/>
-            <a:ext cx="4040188" cy="3951288"/>
+            <a:off x="457200" y="1631156"/>
+            <a:ext cx="4040188" cy="2963466"/>
           </a:xfrm>
         </p:spPr>
         <p:txBody>
@@ -1581,8 +1581,8 @@
         </p:nvSpPr>
         <p:spPr>
           <a:xfrm>
-            <a:off x="4645025" y="1535113"/>
-            <a:ext cx="4041775" cy="639762"/>
+            <a:off x="4645026" y="1151335"/>
+            <a:ext cx="4041775" cy="479822"/>
           </a:xfrm>
         </p:spPr>
         <p:txBody>
@@ -1646,8 +1646,8 @@
         </p:nvSpPr>
         <p:spPr>
           <a:xfrm>
-            <a:off x="4645025" y="2174875"/>
-            <a:ext cx="4041775" cy="3951288"/>
+            <a:off x="4645026" y="1631156"/>
+            <a:ext cx="4041775" cy="2963466"/>
           </a:xfrm>
         </p:spPr>
         <p:txBody>
@@ -1736,7 +1736,7 @@
           <a:p>
             <a:fld id="{304EAD91-56F9-4EB2-AFAA-94188B17C6C2}" type="datetimeFigureOut">
               <a:rPr lang="zh-TW" altLang="en-US" smtClean="0"/>
-              <a:t>2018/3/18</a:t>
+              <a:t>2019/7/20</a:t>
             </a:fld>
             <a:endParaRPr lang="zh-TW" altLang="en-US"/>
           </a:p>
@@ -1849,7 +1849,7 @@
           <a:p>
             <a:fld id="{304EAD91-56F9-4EB2-AFAA-94188B17C6C2}" type="datetimeFigureOut">
               <a:rPr lang="zh-TW" altLang="en-US" smtClean="0"/>
-              <a:t>2018/3/18</a:t>
+              <a:t>2019/7/20</a:t>
             </a:fld>
             <a:endParaRPr lang="zh-TW" altLang="en-US"/>
           </a:p>
@@ -1939,7 +1939,7 @@
           <a:p>
             <a:fld id="{304EAD91-56F9-4EB2-AFAA-94188B17C6C2}" type="datetimeFigureOut">
               <a:rPr lang="zh-TW" altLang="en-US" smtClean="0"/>
-              <a:t>2018/3/18</a:t>
+              <a:t>2019/7/20</a:t>
             </a:fld>
             <a:endParaRPr lang="zh-TW" altLang="en-US"/>
           </a:p>
@@ -2024,8 +2024,8 @@
         </p:nvSpPr>
         <p:spPr>
           <a:xfrm>
-            <a:off x="457200" y="273050"/>
-            <a:ext cx="3008313" cy="1162050"/>
+            <a:off x="457201" y="204787"/>
+            <a:ext cx="3008313" cy="871538"/>
           </a:xfrm>
         </p:spPr>
         <p:txBody>
@@ -2056,8 +2056,8 @@
         </p:nvSpPr>
         <p:spPr>
           <a:xfrm>
-            <a:off x="3575050" y="273050"/>
-            <a:ext cx="5111750" cy="5853113"/>
+            <a:off x="3575050" y="204788"/>
+            <a:ext cx="5111750" cy="4389835"/>
           </a:xfrm>
         </p:spPr>
         <p:txBody>
@@ -2141,8 +2141,8 @@
         </p:nvSpPr>
         <p:spPr>
           <a:xfrm>
-            <a:off x="457200" y="1435100"/>
-            <a:ext cx="3008313" cy="4691063"/>
+            <a:off x="457201" y="1076326"/>
+            <a:ext cx="3008313" cy="3518297"/>
           </a:xfrm>
         </p:spPr>
         <p:txBody>
@@ -2211,7 +2211,7 @@
           <a:p>
             <a:fld id="{304EAD91-56F9-4EB2-AFAA-94188B17C6C2}" type="datetimeFigureOut">
               <a:rPr lang="zh-TW" altLang="en-US" smtClean="0"/>
-              <a:t>2018/3/18</a:t>
+              <a:t>2019/7/20</a:t>
             </a:fld>
             <a:endParaRPr lang="zh-TW" altLang="en-US"/>
           </a:p>
@@ -2296,8 +2296,8 @@
         </p:nvSpPr>
         <p:spPr>
           <a:xfrm>
-            <a:off x="1792288" y="4800600"/>
-            <a:ext cx="5486400" cy="566738"/>
+            <a:off x="1792288" y="3600450"/>
+            <a:ext cx="5486400" cy="425054"/>
           </a:xfrm>
         </p:spPr>
         <p:txBody>
@@ -2328,8 +2328,8 @@
         </p:nvSpPr>
         <p:spPr>
           <a:xfrm>
-            <a:off x="1792288" y="612775"/>
-            <a:ext cx="5486400" cy="4114800"/>
+            <a:off x="1792288" y="459581"/>
+            <a:ext cx="5486400" cy="3086100"/>
           </a:xfrm>
         </p:spPr>
         <p:txBody>
@@ -2393,8 +2393,8 @@
         </p:nvSpPr>
         <p:spPr>
           <a:xfrm>
-            <a:off x="1792288" y="5367338"/>
-            <a:ext cx="5486400" cy="804862"/>
+            <a:off x="1792288" y="4025503"/>
+            <a:ext cx="5486400" cy="603647"/>
           </a:xfrm>
         </p:spPr>
         <p:txBody>
@@ -2463,7 +2463,7 @@
           <a:p>
             <a:fld id="{304EAD91-56F9-4EB2-AFAA-94188B17C6C2}" type="datetimeFigureOut">
               <a:rPr lang="zh-TW" altLang="en-US" smtClean="0"/>
-              <a:t>2018/3/18</a:t>
+              <a:t>2019/7/20</a:t>
             </a:fld>
             <a:endParaRPr lang="zh-TW" altLang="en-US"/>
           </a:p>
@@ -2558,8 +2558,8 @@
         </p:nvSpPr>
         <p:spPr>
           <a:xfrm>
-            <a:off x="457200" y="274638"/>
-            <a:ext cx="8229600" cy="1143000"/>
+            <a:off x="457200" y="205979"/>
+            <a:ext cx="8229600" cy="857250"/>
           </a:xfrm>
           <a:prstGeom prst="rect">
             <a:avLst/>
@@ -2591,8 +2591,8 @@
         </p:nvSpPr>
         <p:spPr>
           <a:xfrm>
-            <a:off x="457200" y="1600200"/>
-            <a:ext cx="8229600" cy="4525963"/>
+            <a:off x="457200" y="1200151"/>
+            <a:ext cx="8229600" cy="3394472"/>
           </a:xfrm>
           <a:prstGeom prst="rect">
             <a:avLst/>
@@ -2653,8 +2653,8 @@
         </p:nvSpPr>
         <p:spPr>
           <a:xfrm>
-            <a:off x="457200" y="6356350"/>
-            <a:ext cx="2133600" cy="365125"/>
+            <a:off x="457200" y="4767263"/>
+            <a:ext cx="2133600" cy="273844"/>
           </a:xfrm>
           <a:prstGeom prst="rect">
             <a:avLst/>
@@ -2676,7 +2676,7 @@
           <a:p>
             <a:fld id="{304EAD91-56F9-4EB2-AFAA-94188B17C6C2}" type="datetimeFigureOut">
               <a:rPr lang="zh-TW" altLang="en-US" smtClean="0"/>
-              <a:t>2018/3/18</a:t>
+              <a:t>2019/7/20</a:t>
             </a:fld>
             <a:endParaRPr lang="zh-TW" altLang="en-US"/>
           </a:p>
@@ -2694,8 +2694,8 @@
         </p:nvSpPr>
         <p:spPr>
           <a:xfrm>
-            <a:off x="3124200" y="6356350"/>
-            <a:ext cx="2895600" cy="365125"/>
+            <a:off x="3124200" y="4767263"/>
+            <a:ext cx="2895600" cy="273844"/>
           </a:xfrm>
           <a:prstGeom prst="rect">
             <a:avLst/>
@@ -2731,8 +2731,8 @@
         </p:nvSpPr>
         <p:spPr>
           <a:xfrm>
-            <a:off x="6553200" y="6356350"/>
-            <a:ext cx="2133600" cy="365125"/>
+            <a:off x="6553200" y="4767263"/>
+            <a:ext cx="2133600" cy="273844"/>
           </a:xfrm>
           <a:prstGeom prst="rect">
             <a:avLst/>
@@ -3058,11 +3058,13 @@
         </p:nvSpPr>
         <p:spPr/>
         <p:txBody>
-          <a:bodyPr/>
-          <a:lstStyle/>
-          <a:p>
-            <a:r>
-              <a:rPr lang="zh-TW" altLang="en-US" b="1" dirty="0">
+          <a:bodyPr>
+            <a:normAutofit/>
+          </a:bodyPr>
+          <a:lstStyle/>
+          <a:p>
+            <a:r>
+              <a:rPr lang="zh-TW" altLang="en-US" sz="4000" b="1" dirty="0">
                 <a:solidFill>
                   <a:srgbClr val="660033"/>
                 </a:solidFill>
@@ -3095,7 +3097,7 @@
               <a:buNone/>
             </a:pPr>
             <a:r>
-              <a:rPr lang="zh-TW" altLang="en-US" sz="5400" b="1" dirty="0">
+              <a:rPr lang="zh-TW" altLang="en-US" sz="4800" b="1" dirty="0">
                 <a:solidFill>
                   <a:srgbClr val="660033"/>
                 </a:solidFill>
@@ -3105,7 +3107,7 @@
               <a:t>以真誠的</a:t>
             </a:r>
             <a:r>
-              <a:rPr lang="zh-TW" altLang="en-US" sz="5400" b="1" dirty="0" smtClean="0">
+              <a:rPr lang="zh-TW" altLang="en-US" sz="4800" b="1" dirty="0" smtClean="0">
                 <a:solidFill>
                   <a:srgbClr val="660033"/>
                 </a:solidFill>
@@ -3115,7 +3117,7 @@
               <a:t>心  降服</a:t>
             </a:r>
             <a:r>
-              <a:rPr lang="zh-TW" altLang="en-US" sz="5400" b="1" dirty="0">
+              <a:rPr lang="zh-TW" altLang="en-US" sz="4800" b="1" dirty="0">
                 <a:solidFill>
                   <a:srgbClr val="660033"/>
                 </a:solidFill>
@@ -3125,7 +3127,7 @@
               <a:t>在你</a:t>
             </a:r>
             <a:r>
-              <a:rPr lang="zh-TW" altLang="en-US" sz="5400" b="1" dirty="0" smtClean="0">
+              <a:rPr lang="zh-TW" altLang="en-US" sz="4800" b="1" dirty="0" smtClean="0">
                 <a:solidFill>
                   <a:srgbClr val="660033"/>
                 </a:solidFill>
@@ -3134,7 +3136,7 @@
               </a:rPr>
               <a:t>面前</a:t>
             </a:r>
-            <a:endParaRPr lang="en-US" altLang="zh-TW" sz="5400" b="1" dirty="0" smtClean="0">
+            <a:endParaRPr lang="en-US" altLang="zh-TW" sz="4800" b="1" dirty="0" smtClean="0">
               <a:solidFill>
                 <a:srgbClr val="660033"/>
               </a:solidFill>
@@ -3147,7 +3149,7 @@
               <a:buNone/>
             </a:pPr>
             <a:r>
-              <a:rPr lang="zh-TW" altLang="en-US" sz="5400" b="1" dirty="0" smtClean="0">
+              <a:rPr lang="zh-TW" altLang="en-US" sz="4800" b="1" dirty="0" smtClean="0">
                 <a:solidFill>
                   <a:srgbClr val="660033"/>
                 </a:solidFill>
@@ -3157,7 +3159,7 @@
               <a:t>開</a:t>
             </a:r>
             <a:r>
-              <a:rPr lang="zh-TW" altLang="en-US" sz="5400" b="1" dirty="0">
+              <a:rPr lang="zh-TW" altLang="en-US" sz="4800" b="1" dirty="0">
                 <a:solidFill>
                   <a:srgbClr val="660033"/>
                 </a:solidFill>
@@ -3167,7 +3169,7 @@
               <a:t>我心眼使我</a:t>
             </a:r>
             <a:r>
-              <a:rPr lang="zh-TW" altLang="en-US" sz="5400" b="1" dirty="0" smtClean="0">
+              <a:rPr lang="zh-TW" altLang="en-US" sz="4800" b="1" dirty="0" smtClean="0">
                 <a:solidFill>
                   <a:srgbClr val="660033"/>
                 </a:solidFill>
@@ -3176,7 +3178,7 @@
               </a:rPr>
               <a:t>看見</a:t>
             </a:r>
-            <a:endParaRPr lang="en-US" altLang="zh-TW" sz="5400" b="1" dirty="0">
+            <a:endParaRPr lang="en-US" altLang="zh-TW" sz="4800" b="1" dirty="0">
               <a:solidFill>
                 <a:srgbClr val="660033"/>
               </a:solidFill>
@@ -3189,7 +3191,7 @@
               <a:buNone/>
             </a:pPr>
             <a:r>
-              <a:rPr lang="zh-TW" altLang="en-US" sz="5400" b="1" dirty="0" smtClean="0">
+              <a:rPr lang="zh-TW" altLang="en-US" sz="4800" b="1" dirty="0" smtClean="0">
                 <a:solidFill>
                   <a:srgbClr val="660033"/>
                 </a:solidFill>
@@ -3199,7 +3201,7 @@
               <a:t>以</a:t>
             </a:r>
             <a:r>
-              <a:rPr lang="zh-TW" altLang="en-US" sz="5400" b="1" dirty="0">
+              <a:rPr lang="zh-TW" altLang="en-US" sz="4800" b="1" dirty="0">
                 <a:solidFill>
                   <a:srgbClr val="660033"/>
                 </a:solidFill>
@@ -3209,7 +3211,7 @@
               <a:t>感恩的</a:t>
             </a:r>
             <a:r>
-              <a:rPr lang="zh-TW" altLang="en-US" sz="5400" b="1" dirty="0" smtClean="0">
+              <a:rPr lang="zh-TW" altLang="en-US" sz="4800" b="1" dirty="0" smtClean="0">
                 <a:solidFill>
                   <a:srgbClr val="660033"/>
                 </a:solidFill>
@@ -3219,7 +3221,7 @@
               <a:t>心  領受</a:t>
             </a:r>
             <a:r>
-              <a:rPr lang="zh-TW" altLang="en-US" sz="5400" b="1" dirty="0">
+              <a:rPr lang="zh-TW" altLang="en-US" sz="4800" b="1" dirty="0">
                 <a:solidFill>
                   <a:srgbClr val="660033"/>
                 </a:solidFill>
@@ -3229,7 +3231,7 @@
               <a:t>生命</a:t>
             </a:r>
             <a:r>
-              <a:rPr lang="zh-TW" altLang="en-US" sz="5400" b="1" dirty="0" smtClean="0">
+              <a:rPr lang="zh-TW" altLang="en-US" sz="4800" b="1" dirty="0" smtClean="0">
                 <a:solidFill>
                   <a:srgbClr val="660033"/>
                 </a:solidFill>
@@ -3238,7 +3240,7 @@
               </a:rPr>
               <a:t>活水</a:t>
             </a:r>
-            <a:endParaRPr lang="en-US" altLang="zh-TW" sz="5400" b="1" dirty="0" smtClean="0">
+            <a:endParaRPr lang="en-US" altLang="zh-TW" sz="4800" b="1" dirty="0" smtClean="0">
               <a:solidFill>
                 <a:srgbClr val="660033"/>
               </a:solidFill>
@@ -3251,7 +3253,7 @@
               <a:buNone/>
             </a:pPr>
             <a:r>
-              <a:rPr lang="zh-TW" altLang="en-US" sz="5400" b="1" dirty="0" smtClean="0">
+              <a:rPr lang="zh-TW" altLang="en-US" sz="4800" b="1" dirty="0" smtClean="0">
                 <a:solidFill>
                   <a:srgbClr val="660033"/>
                 </a:solidFill>
@@ -3261,7 +3263,7 @@
               <a:t>從</a:t>
             </a:r>
             <a:r>
-              <a:rPr lang="zh-TW" altLang="en-US" sz="5400" b="1" dirty="0">
+              <a:rPr lang="zh-TW" altLang="en-US" sz="4800" b="1" dirty="0">
                 <a:solidFill>
                   <a:srgbClr val="660033"/>
                 </a:solidFill>
@@ -3310,11 +3312,13 @@
         </p:nvSpPr>
         <p:spPr/>
         <p:txBody>
-          <a:bodyPr/>
-          <a:lstStyle/>
-          <a:p>
-            <a:r>
-              <a:rPr lang="zh-TW" altLang="en-US" b="1" dirty="0">
+          <a:bodyPr>
+            <a:normAutofit/>
+          </a:bodyPr>
+          <a:lstStyle/>
+          <a:p>
+            <a:r>
+              <a:rPr lang="zh-TW" altLang="en-US" sz="4000" b="1" dirty="0">
                 <a:solidFill>
                   <a:srgbClr val="660033"/>
                 </a:solidFill>
@@ -3338,8 +3342,8 @@
         </p:nvSpPr>
         <p:spPr>
           <a:xfrm>
-            <a:off x="0" y="1600200"/>
-            <a:ext cx="9144000" cy="4525963"/>
+            <a:off x="0" y="1200151"/>
+            <a:ext cx="9144000" cy="3394472"/>
           </a:xfrm>
         </p:spPr>
         <p:txBody>
@@ -3352,7 +3356,7 @@
               <a:buNone/>
             </a:pPr>
             <a:r>
-              <a:rPr lang="zh-TW" altLang="en-US" sz="5400" b="1" dirty="0">
+              <a:rPr lang="zh-TW" altLang="en-US" sz="4800" b="1" dirty="0">
                 <a:solidFill>
                   <a:srgbClr val="660033"/>
                 </a:solidFill>
@@ -3362,7 +3366,7 @@
               <a:t>何等</a:t>
             </a:r>
             <a:r>
-              <a:rPr lang="zh-TW" altLang="en-US" sz="5400" b="1" dirty="0" smtClean="0">
+              <a:rPr lang="zh-TW" altLang="en-US" sz="4800" b="1" dirty="0">
                 <a:solidFill>
                   <a:srgbClr val="660033"/>
                 </a:solidFill>
@@ -3372,7 +3376,7 @@
               <a:t>恩典  你</a:t>
             </a:r>
             <a:r>
-              <a:rPr lang="zh-TW" altLang="en-US" sz="5400" b="1" dirty="0">
+              <a:rPr lang="zh-TW" altLang="en-US" sz="4800" b="1" dirty="0">
                 <a:solidFill>
                   <a:srgbClr val="660033"/>
                 </a:solidFill>
@@ -3382,7 +3386,7 @@
               <a:t>竟然</a:t>
             </a:r>
             <a:r>
-              <a:rPr lang="zh-TW" altLang="en-US" sz="5400" b="1" dirty="0" smtClean="0">
+              <a:rPr lang="zh-TW" altLang="en-US" sz="4800" b="1" dirty="0">
                 <a:solidFill>
                   <a:srgbClr val="660033"/>
                 </a:solidFill>
@@ -3391,7 +3395,7 @@
               </a:rPr>
               <a:t>在乎我</a:t>
             </a:r>
-            <a:endParaRPr lang="en-US" altLang="zh-TW" sz="5400" b="1" dirty="0" smtClean="0">
+            <a:endParaRPr lang="en-US" altLang="zh-TW" sz="4800" b="1" dirty="0">
               <a:solidFill>
                 <a:srgbClr val="660033"/>
               </a:solidFill>
@@ -3404,7 +3408,7 @@
               <a:buNone/>
             </a:pPr>
             <a:r>
-              <a:rPr lang="zh-TW" altLang="en-US" sz="5400" b="1" dirty="0" smtClean="0">
+              <a:rPr lang="zh-TW" altLang="en-US" sz="4800" b="1" dirty="0">
                 <a:solidFill>
                   <a:srgbClr val="660033"/>
                 </a:solidFill>
@@ -3414,7 +3418,7 @@
               <a:t>何等恩典  你</a:t>
             </a:r>
             <a:r>
-              <a:rPr lang="zh-TW" altLang="en-US" sz="5400" b="1" dirty="0">
+              <a:rPr lang="zh-TW" altLang="en-US" sz="4800" b="1" dirty="0">
                 <a:solidFill>
                   <a:srgbClr val="660033"/>
                 </a:solidFill>
@@ -3424,7 +3428,7 @@
               <a:t>寶血為我</a:t>
             </a:r>
             <a:r>
-              <a:rPr lang="zh-TW" altLang="en-US" sz="5400" b="1" dirty="0" smtClean="0">
+              <a:rPr lang="zh-TW" altLang="en-US" sz="4800" b="1" dirty="0">
                 <a:solidFill>
                   <a:srgbClr val="660033"/>
                 </a:solidFill>
@@ -3433,7 +3437,7 @@
               </a:rPr>
               <a:t>流</a:t>
             </a:r>
-            <a:endParaRPr lang="en-US" altLang="zh-TW" sz="5400" b="1" dirty="0">
+            <a:endParaRPr lang="en-US" altLang="zh-TW" sz="4800" b="1" dirty="0">
               <a:solidFill>
                 <a:srgbClr val="660033"/>
               </a:solidFill>
@@ -3446,7 +3450,7 @@
               <a:buNone/>
             </a:pPr>
             <a:r>
-              <a:rPr lang="zh-TW" altLang="en-US" sz="5400" b="1" dirty="0" smtClean="0">
+              <a:rPr lang="zh-TW" altLang="en-US" sz="4800" b="1" dirty="0">
                 <a:solidFill>
                   <a:srgbClr val="660033"/>
                 </a:solidFill>
@@ -3456,7 +3460,7 @@
               <a:t>何等恩典  你</a:t>
             </a:r>
             <a:r>
-              <a:rPr lang="zh-TW" altLang="en-US" sz="5400" b="1" dirty="0">
+              <a:rPr lang="zh-TW" altLang="en-US" sz="4800" b="1" dirty="0">
                 <a:solidFill>
                   <a:srgbClr val="660033"/>
                 </a:solidFill>
@@ -3466,7 +3470,7 @@
               <a:t>以尊貴</a:t>
             </a:r>
             <a:r>
-              <a:rPr lang="zh-TW" altLang="en-US" sz="5400" b="1" dirty="0" smtClean="0">
+              <a:rPr lang="zh-TW" altLang="en-US" sz="4800" b="1" dirty="0">
                 <a:solidFill>
                   <a:srgbClr val="660033"/>
                 </a:solidFill>
@@ -3475,7 +3479,7 @@
               </a:rPr>
               <a:t>榮耀</a:t>
             </a:r>
-            <a:endParaRPr lang="en-US" altLang="zh-TW" sz="5400" b="1" dirty="0" smtClean="0">
+            <a:endParaRPr lang="en-US" altLang="zh-TW" sz="4800" b="1" dirty="0">
               <a:solidFill>
                 <a:srgbClr val="660033"/>
               </a:solidFill>
@@ -3488,7 +3492,7 @@
               <a:buNone/>
             </a:pPr>
             <a:r>
-              <a:rPr lang="zh-TW" altLang="en-US" sz="5400" b="1" dirty="0" smtClean="0">
+              <a:rPr lang="zh-TW" altLang="en-US" sz="4800" b="1" dirty="0">
                 <a:solidFill>
                   <a:srgbClr val="660033"/>
                 </a:solidFill>
@@ -3498,7 +3502,7 @@
               <a:t>為</a:t>
             </a:r>
             <a:r>
-              <a:rPr lang="zh-TW" altLang="en-US" sz="5400" b="1" dirty="0">
+              <a:rPr lang="zh-TW" altLang="en-US" sz="4800" b="1" dirty="0">
                 <a:solidFill>
                   <a:srgbClr val="660033"/>
                 </a:solidFill>
@@ -3508,7 +3512,7 @@
               <a:t>我</a:t>
             </a:r>
             <a:r>
-              <a:rPr lang="zh-TW" altLang="en-US" sz="5400" b="1" dirty="0" smtClean="0">
+              <a:rPr lang="zh-TW" altLang="en-US" sz="4800" b="1" dirty="0">
                 <a:solidFill>
                   <a:srgbClr val="660033"/>
                 </a:solidFill>
@@ -3518,7 +3522,7 @@
               <a:t>冠冕  我</a:t>
             </a:r>
             <a:r>
-              <a:rPr lang="zh-TW" altLang="en-US" sz="5400" b="1" dirty="0">
+              <a:rPr lang="zh-TW" altLang="en-US" sz="4800" b="1" dirty="0">
                 <a:solidFill>
                   <a:srgbClr val="660033"/>
                 </a:solidFill>
@@ -3567,11 +3571,13 @@
         </p:nvSpPr>
         <p:spPr/>
         <p:txBody>
-          <a:bodyPr/>
-          <a:lstStyle/>
-          <a:p>
-            <a:r>
-              <a:rPr lang="zh-TW" altLang="en-US" b="1" dirty="0">
+          <a:bodyPr>
+            <a:normAutofit/>
+          </a:bodyPr>
+          <a:lstStyle/>
+          <a:p>
+            <a:r>
+              <a:rPr lang="zh-TW" altLang="en-US" sz="4000" b="1" dirty="0">
                 <a:solidFill>
                   <a:srgbClr val="660033"/>
                 </a:solidFill>
@@ -3595,8 +3601,8 @@
         </p:nvSpPr>
         <p:spPr>
           <a:xfrm>
-            <a:off x="0" y="1600200"/>
-            <a:ext cx="9144000" cy="4525963"/>
+            <a:off x="0" y="1200151"/>
+            <a:ext cx="9144000" cy="3394472"/>
           </a:xfrm>
         </p:spPr>
         <p:txBody>
@@ -3609,7 +3615,7 @@
               <a:buNone/>
             </a:pPr>
             <a:r>
-              <a:rPr lang="zh-TW" altLang="en-US" sz="5400" b="1" dirty="0">
+              <a:rPr lang="zh-TW" altLang="en-US" sz="4800" b="1" dirty="0">
                 <a:solidFill>
                   <a:srgbClr val="660033"/>
                 </a:solidFill>
@@ -3619,7 +3625,7 @@
               <a:t>你已挪去我所有</a:t>
             </a:r>
             <a:r>
-              <a:rPr lang="zh-TW" altLang="en-US" sz="5400" b="1" dirty="0" smtClean="0">
+              <a:rPr lang="zh-TW" altLang="en-US" sz="4800" b="1" dirty="0">
                 <a:solidFill>
                   <a:srgbClr val="660033"/>
                 </a:solidFill>
@@ -3628,7 +3634,7 @@
               </a:rPr>
               <a:t>枷鎖</a:t>
             </a:r>
-            <a:endParaRPr lang="en-US" altLang="zh-TW" sz="5400" b="1" dirty="0" smtClean="0">
+            <a:endParaRPr lang="en-US" altLang="zh-TW" sz="4800" b="1" dirty="0">
               <a:solidFill>
                 <a:srgbClr val="660033"/>
               </a:solidFill>
@@ -3641,7 +3647,7 @@
               <a:buNone/>
             </a:pPr>
             <a:r>
-              <a:rPr lang="zh-TW" altLang="en-US" sz="5400" b="1" dirty="0" smtClean="0">
+              <a:rPr lang="zh-TW" altLang="en-US" sz="4800" b="1" dirty="0">
                 <a:solidFill>
                   <a:srgbClr val="660033"/>
                 </a:solidFill>
@@ -3651,7 +3657,7 @@
               <a:t>你</a:t>
             </a:r>
             <a:r>
-              <a:rPr lang="zh-TW" altLang="en-US" sz="5400" b="1" dirty="0">
+              <a:rPr lang="zh-TW" altLang="en-US" sz="4800" b="1" dirty="0">
                 <a:solidFill>
                   <a:srgbClr val="660033"/>
                 </a:solidFill>
@@ -3661,7 +3667,7 @@
               <a:t>已挪去我所有</a:t>
             </a:r>
             <a:r>
-              <a:rPr lang="zh-TW" altLang="en-US" sz="5400" b="1" dirty="0" smtClean="0">
+              <a:rPr lang="zh-TW" altLang="en-US" sz="4800" b="1" dirty="0">
                 <a:solidFill>
                   <a:srgbClr val="660033"/>
                 </a:solidFill>
@@ -3670,7 +3676,7 @@
               </a:rPr>
               <a:t>重擔</a:t>
             </a:r>
-            <a:endParaRPr lang="en-US" altLang="zh-TW" sz="5400" b="1" dirty="0">
+            <a:endParaRPr lang="en-US" altLang="zh-TW" sz="4800" b="1" dirty="0">
               <a:solidFill>
                 <a:srgbClr val="660033"/>
               </a:solidFill>
@@ -3683,7 +3689,7 @@
               <a:buNone/>
             </a:pPr>
             <a:r>
-              <a:rPr lang="zh-TW" altLang="en-US" sz="5400" b="1" dirty="0" smtClean="0">
+              <a:rPr lang="zh-TW" altLang="en-US" sz="4800" b="1" dirty="0">
                 <a:solidFill>
                   <a:srgbClr val="660033"/>
                 </a:solidFill>
@@ -3693,7 +3699,7 @@
               <a:t>你</a:t>
             </a:r>
             <a:r>
-              <a:rPr lang="zh-TW" altLang="en-US" sz="5400" b="1" dirty="0">
+              <a:rPr lang="zh-TW" altLang="en-US" sz="4800" b="1" dirty="0">
                 <a:solidFill>
                   <a:srgbClr val="660033"/>
                 </a:solidFill>
@@ -3703,7 +3709,7 @@
               <a:t>已挪去我所有</a:t>
             </a:r>
             <a:r>
-              <a:rPr lang="zh-TW" altLang="en-US" sz="5400" b="1" dirty="0" smtClean="0">
+              <a:rPr lang="zh-TW" altLang="en-US" sz="4800" b="1" dirty="0">
                 <a:solidFill>
                   <a:srgbClr val="660033"/>
                 </a:solidFill>
@@ -3712,7 +3718,7 @@
               </a:rPr>
               <a:t>傷悲</a:t>
             </a:r>
-            <a:endParaRPr lang="en-US" altLang="zh-TW" sz="5400" b="1" dirty="0" smtClean="0">
+            <a:endParaRPr lang="en-US" altLang="zh-TW" sz="4800" b="1" dirty="0">
               <a:solidFill>
                 <a:srgbClr val="660033"/>
               </a:solidFill>
@@ -3725,7 +3731,7 @@
               <a:buNone/>
             </a:pPr>
             <a:r>
-              <a:rPr lang="zh-TW" altLang="en-US" sz="5400" b="1" dirty="0" smtClean="0">
+              <a:rPr lang="zh-TW" altLang="en-US" sz="4800" b="1" dirty="0">
                 <a:solidFill>
                   <a:srgbClr val="660033"/>
                 </a:solidFill>
@@ -3735,7 +3741,7 @@
               <a:t>你</a:t>
             </a:r>
             <a:r>
-              <a:rPr lang="zh-TW" altLang="en-US" sz="5400" b="1" dirty="0">
+              <a:rPr lang="zh-TW" altLang="en-US" sz="4800" b="1" dirty="0">
                 <a:solidFill>
                   <a:srgbClr val="660033"/>
                 </a:solidFill>

--- a/何等恩典(崇拜版).pptx
+++ b/何等恩典(崇拜版).pptx
@@ -106,6 +106,22 @@
       </a:defRPr>
     </a:lvl9pPr>
   </p:defaultTextStyle>
+  <p:extLst>
+    <p:ext uri="{EFAFB233-063F-42B5-8137-9DF3F51BA10A}">
+      <p15:sldGuideLst xmlns:p15="http://schemas.microsoft.com/office/powerpoint/2012/main">
+        <p15:guide id="1" orient="horz" pos="1620">
+          <p15:clr>
+            <a:srgbClr val="A4A3A4"/>
+          </p15:clr>
+        </p15:guide>
+        <p15:guide id="2" pos="2880">
+          <p15:clr>
+            <a:srgbClr val="A4A3A4"/>
+          </p15:clr>
+        </p15:guide>
+      </p15:sldGuideLst>
+    </p:ext>
+  </p:extLst>
 </p:presentation>
 </file>
 
@@ -290,7 +306,7 @@
           <a:p>
             <a:fld id="{304EAD91-56F9-4EB2-AFAA-94188B17C6C2}" type="datetimeFigureOut">
               <a:rPr lang="zh-TW" altLang="en-US" smtClean="0"/>
-              <a:t>2019/7/20</a:t>
+              <a:t>2020/4/7</a:t>
             </a:fld>
             <a:endParaRPr lang="zh-TW" altLang="en-US"/>
           </a:p>
@@ -455,7 +471,7 @@
           <a:p>
             <a:fld id="{304EAD91-56F9-4EB2-AFAA-94188B17C6C2}" type="datetimeFigureOut">
               <a:rPr lang="zh-TW" altLang="en-US" smtClean="0"/>
-              <a:t>2019/7/20</a:t>
+              <a:t>2020/4/7</a:t>
             </a:fld>
             <a:endParaRPr lang="zh-TW" altLang="en-US"/>
           </a:p>
@@ -630,7 +646,7 @@
           <a:p>
             <a:fld id="{304EAD91-56F9-4EB2-AFAA-94188B17C6C2}" type="datetimeFigureOut">
               <a:rPr lang="zh-TW" altLang="en-US" smtClean="0"/>
-              <a:t>2019/7/20</a:t>
+              <a:t>2020/4/7</a:t>
             </a:fld>
             <a:endParaRPr lang="zh-TW" altLang="en-US"/>
           </a:p>
@@ -795,7 +811,7 @@
           <a:p>
             <a:fld id="{304EAD91-56F9-4EB2-AFAA-94188B17C6C2}" type="datetimeFigureOut">
               <a:rPr lang="zh-TW" altLang="en-US" smtClean="0"/>
-              <a:t>2019/7/20</a:t>
+              <a:t>2020/4/7</a:t>
             </a:fld>
             <a:endParaRPr lang="zh-TW" altLang="en-US"/>
           </a:p>
@@ -1036,7 +1052,7 @@
           <a:p>
             <a:fld id="{304EAD91-56F9-4EB2-AFAA-94188B17C6C2}" type="datetimeFigureOut">
               <a:rPr lang="zh-TW" altLang="en-US" smtClean="0"/>
-              <a:t>2019/7/20</a:t>
+              <a:t>2020/4/7</a:t>
             </a:fld>
             <a:endParaRPr lang="zh-TW" altLang="en-US"/>
           </a:p>
@@ -1319,7 +1335,7 @@
           <a:p>
             <a:fld id="{304EAD91-56F9-4EB2-AFAA-94188B17C6C2}" type="datetimeFigureOut">
               <a:rPr lang="zh-TW" altLang="en-US" smtClean="0"/>
-              <a:t>2019/7/20</a:t>
+              <a:t>2020/4/7</a:t>
             </a:fld>
             <a:endParaRPr lang="zh-TW" altLang="en-US"/>
           </a:p>
@@ -1736,7 +1752,7 @@
           <a:p>
             <a:fld id="{304EAD91-56F9-4EB2-AFAA-94188B17C6C2}" type="datetimeFigureOut">
               <a:rPr lang="zh-TW" altLang="en-US" smtClean="0"/>
-              <a:t>2019/7/20</a:t>
+              <a:t>2020/4/7</a:t>
             </a:fld>
             <a:endParaRPr lang="zh-TW" altLang="en-US"/>
           </a:p>
@@ -1849,7 +1865,7 @@
           <a:p>
             <a:fld id="{304EAD91-56F9-4EB2-AFAA-94188B17C6C2}" type="datetimeFigureOut">
               <a:rPr lang="zh-TW" altLang="en-US" smtClean="0"/>
-              <a:t>2019/7/20</a:t>
+              <a:t>2020/4/7</a:t>
             </a:fld>
             <a:endParaRPr lang="zh-TW" altLang="en-US"/>
           </a:p>
@@ -1939,7 +1955,7 @@
           <a:p>
             <a:fld id="{304EAD91-56F9-4EB2-AFAA-94188B17C6C2}" type="datetimeFigureOut">
               <a:rPr lang="zh-TW" altLang="en-US" smtClean="0"/>
-              <a:t>2019/7/20</a:t>
+              <a:t>2020/4/7</a:t>
             </a:fld>
             <a:endParaRPr lang="zh-TW" altLang="en-US"/>
           </a:p>
@@ -2211,7 +2227,7 @@
           <a:p>
             <a:fld id="{304EAD91-56F9-4EB2-AFAA-94188B17C6C2}" type="datetimeFigureOut">
               <a:rPr lang="zh-TW" altLang="en-US" smtClean="0"/>
-              <a:t>2019/7/20</a:t>
+              <a:t>2020/4/7</a:t>
             </a:fld>
             <a:endParaRPr lang="zh-TW" altLang="en-US"/>
           </a:p>
@@ -2463,7 +2479,7 @@
           <a:p>
             <a:fld id="{304EAD91-56F9-4EB2-AFAA-94188B17C6C2}" type="datetimeFigureOut">
               <a:rPr lang="zh-TW" altLang="en-US" smtClean="0"/>
-              <a:t>2019/7/20</a:t>
+              <a:t>2020/4/7</a:t>
             </a:fld>
             <a:endParaRPr lang="zh-TW" altLang="en-US"/>
           </a:p>
@@ -2676,7 +2692,7 @@
           <a:p>
             <a:fld id="{304EAD91-56F9-4EB2-AFAA-94188B17C6C2}" type="datetimeFigureOut">
               <a:rPr lang="zh-TW" altLang="en-US" smtClean="0"/>
-              <a:t>2019/7/20</a:t>
+              <a:t>2020/4/7</a:t>
             </a:fld>
             <a:endParaRPr lang="zh-TW" altLang="en-US"/>
           </a:p>
@@ -3117,16 +3133,6 @@
               <a:t>心  降服</a:t>
             </a:r>
             <a:r>
-              <a:rPr lang="zh-TW" altLang="en-US" sz="4800" b="1" dirty="0">
-                <a:solidFill>
-                  <a:srgbClr val="660033"/>
-                </a:solidFill>
-                <a:latin typeface="微軟正黑體" pitchFamily="34" charset="-120"/>
-                <a:ea typeface="微軟正黑體" pitchFamily="34" charset="-120"/>
-              </a:rPr>
-              <a:t>在你</a:t>
-            </a:r>
-            <a:r>
               <a:rPr lang="zh-TW" altLang="en-US" sz="4800" b="1" dirty="0" smtClean="0">
                 <a:solidFill>
                   <a:srgbClr val="660033"/>
@@ -3134,7 +3140,37 @@
                 <a:latin typeface="微軟正黑體" pitchFamily="34" charset="-120"/>
                 <a:ea typeface="微軟正黑體" pitchFamily="34" charset="-120"/>
               </a:rPr>
-              <a:t>面前</a:t>
+              <a:t>在</a:t>
+            </a:r>
+            <a:r>
+              <a:rPr lang="zh-CN" altLang="en-US" sz="4800" b="1" dirty="0" smtClean="0">
+                <a:solidFill>
+                  <a:srgbClr val="660033"/>
+                </a:solidFill>
+                <a:latin typeface="微軟正黑體" pitchFamily="34" charset="-120"/>
+                <a:ea typeface="微軟正黑體" pitchFamily="34" charset="-120"/>
+              </a:rPr>
+              <a:t>袮</a:t>
+            </a:r>
+            <a:r>
+              <a:rPr lang="zh-TW" altLang="en-US" sz="4800" b="1" dirty="0" smtClean="0">
+                <a:solidFill>
+                  <a:srgbClr val="660033"/>
+                </a:solidFill>
+                <a:latin typeface="微軟正黑體" pitchFamily="34" charset="-120"/>
+                <a:ea typeface="微軟正黑體" pitchFamily="34" charset="-120"/>
+              </a:rPr>
+              <a:t>面</a:t>
+            </a:r>
+            <a:r>
+              <a:rPr lang="zh-TW" altLang="en-US" sz="4800" b="1" dirty="0" smtClean="0">
+                <a:solidFill>
+                  <a:srgbClr val="660033"/>
+                </a:solidFill>
+                <a:latin typeface="微軟正黑體" pitchFamily="34" charset="-120"/>
+                <a:ea typeface="微軟正黑體" pitchFamily="34" charset="-120"/>
+              </a:rPr>
+              <a:t>前</a:t>
             </a:r>
             <a:endParaRPr lang="en-US" altLang="zh-TW" sz="4800" b="1" dirty="0" smtClean="0">
               <a:solidFill>
@@ -3263,6 +3299,26 @@
               <a:t>從</a:t>
             </a:r>
             <a:r>
+              <a:rPr lang="zh-CN" altLang="en-US" sz="4800" b="1" dirty="0">
+                <a:solidFill>
+                  <a:srgbClr val="660033"/>
+                </a:solidFill>
+                <a:latin typeface="微軟正黑體" pitchFamily="34" charset="-120"/>
+                <a:ea typeface="微軟正黑體" pitchFamily="34" charset="-120"/>
+              </a:rPr>
+              <a:t>袮</a:t>
+            </a:r>
+            <a:r>
+              <a:rPr lang="zh-TW" altLang="en-US" sz="4800" b="1" dirty="0" smtClean="0">
+                <a:solidFill>
+                  <a:srgbClr val="660033"/>
+                </a:solidFill>
+                <a:latin typeface="微軟正黑體" pitchFamily="34" charset="-120"/>
+                <a:ea typeface="微軟正黑體" pitchFamily="34" charset="-120"/>
+              </a:rPr>
+              <a:t>而</a:t>
+            </a:r>
+            <a:r>
               <a:rPr lang="zh-TW" altLang="en-US" sz="4800" b="1" dirty="0">
                 <a:solidFill>
                   <a:srgbClr val="660033"/>
@@ -3270,7 +3326,7 @@
                 <a:latin typeface="微軟正黑體" pitchFamily="34" charset="-120"/>
                 <a:ea typeface="微軟正黑體" pitchFamily="34" charset="-120"/>
               </a:rPr>
-              <a:t>你而來的溫柔謙卑</a:t>
+              <a:t>來的溫柔謙卑</a:t>
             </a:r>
           </a:p>
         </p:txBody>
@@ -3363,7 +3419,37 @@
                 <a:latin typeface="微軟正黑體" pitchFamily="34" charset="-120"/>
                 <a:ea typeface="微軟正黑體" pitchFamily="34" charset="-120"/>
               </a:rPr>
-              <a:t>何等</a:t>
+              <a:t>何等恩</a:t>
+            </a:r>
+            <a:r>
+              <a:rPr lang="zh-TW" altLang="en-US" sz="4800" b="1" dirty="0" smtClean="0">
+                <a:solidFill>
+                  <a:srgbClr val="660033"/>
+                </a:solidFill>
+                <a:latin typeface="微軟正黑體" pitchFamily="34" charset="-120"/>
+                <a:ea typeface="微軟正黑體" pitchFamily="34" charset="-120"/>
+              </a:rPr>
+              <a:t>典  </a:t>
+            </a:r>
+            <a:r>
+              <a:rPr lang="zh-CN" altLang="en-US" sz="4800" b="1" dirty="0" smtClean="0">
+                <a:solidFill>
+                  <a:srgbClr val="660033"/>
+                </a:solidFill>
+                <a:latin typeface="微軟正黑體" pitchFamily="34" charset="-120"/>
+                <a:ea typeface="微軟正黑體" pitchFamily="34" charset="-120"/>
+              </a:rPr>
+              <a:t>袮</a:t>
+            </a:r>
+            <a:r>
+              <a:rPr lang="zh-TW" altLang="en-US" sz="4800" b="1" dirty="0" smtClean="0">
+                <a:solidFill>
+                  <a:srgbClr val="660033"/>
+                </a:solidFill>
+                <a:latin typeface="微軟正黑體" pitchFamily="34" charset="-120"/>
+                <a:ea typeface="微軟正黑體" pitchFamily="34" charset="-120"/>
+              </a:rPr>
+              <a:t>竟</a:t>
             </a:r>
             <a:r>
               <a:rPr lang="zh-TW" altLang="en-US" sz="4800" b="1" dirty="0">
@@ -3373,27 +3459,7 @@
                 <a:latin typeface="微軟正黑體" pitchFamily="34" charset="-120"/>
                 <a:ea typeface="微軟正黑體" pitchFamily="34" charset="-120"/>
               </a:rPr>
-              <a:t>恩典  你</a:t>
-            </a:r>
-            <a:r>
-              <a:rPr lang="zh-TW" altLang="en-US" sz="4800" b="1" dirty="0">
-                <a:solidFill>
-                  <a:srgbClr val="660033"/>
-                </a:solidFill>
-                <a:latin typeface="微軟正黑體" pitchFamily="34" charset="-120"/>
-                <a:ea typeface="微軟正黑體" pitchFamily="34" charset="-120"/>
-              </a:rPr>
-              <a:t>竟然</a:t>
-            </a:r>
-            <a:r>
-              <a:rPr lang="zh-TW" altLang="en-US" sz="4800" b="1" dirty="0">
-                <a:solidFill>
-                  <a:srgbClr val="660033"/>
-                </a:solidFill>
-                <a:latin typeface="微軟正黑體" pitchFamily="34" charset="-120"/>
-                <a:ea typeface="微軟正黑體" pitchFamily="34" charset="-120"/>
-              </a:rPr>
-              <a:t>在乎我</a:t>
+              <a:t>然在乎我</a:t>
             </a:r>
             <a:endParaRPr lang="en-US" altLang="zh-TW" sz="4800" b="1" dirty="0">
               <a:solidFill>
@@ -3415,7 +3481,37 @@
                 <a:latin typeface="微軟正黑體" pitchFamily="34" charset="-120"/>
                 <a:ea typeface="微軟正黑體" pitchFamily="34" charset="-120"/>
               </a:rPr>
-              <a:t>何等恩典  你</a:t>
+              <a:t>何等恩</a:t>
+            </a:r>
+            <a:r>
+              <a:rPr lang="zh-TW" altLang="en-US" sz="4800" b="1" dirty="0" smtClean="0">
+                <a:solidFill>
+                  <a:srgbClr val="660033"/>
+                </a:solidFill>
+                <a:latin typeface="微軟正黑體" pitchFamily="34" charset="-120"/>
+                <a:ea typeface="微軟正黑體" pitchFamily="34" charset="-120"/>
+              </a:rPr>
+              <a:t>典  </a:t>
+            </a:r>
+            <a:r>
+              <a:rPr lang="zh-CN" altLang="en-US" sz="4800" b="1" dirty="0" smtClean="0">
+                <a:solidFill>
+                  <a:srgbClr val="660033"/>
+                </a:solidFill>
+                <a:latin typeface="微軟正黑體" pitchFamily="34" charset="-120"/>
+                <a:ea typeface="微軟正黑體" pitchFamily="34" charset="-120"/>
+              </a:rPr>
+              <a:t>袮</a:t>
+            </a:r>
+            <a:r>
+              <a:rPr lang="zh-TW" altLang="en-US" sz="4800" b="1" dirty="0" smtClean="0">
+                <a:solidFill>
+                  <a:srgbClr val="660033"/>
+                </a:solidFill>
+                <a:latin typeface="微軟正黑體" pitchFamily="34" charset="-120"/>
+                <a:ea typeface="微軟正黑體" pitchFamily="34" charset="-120"/>
+              </a:rPr>
+              <a:t>寶</a:t>
             </a:r>
             <a:r>
               <a:rPr lang="zh-TW" altLang="en-US" sz="4800" b="1" dirty="0">
@@ -3425,17 +3521,7 @@
                 <a:latin typeface="微軟正黑體" pitchFamily="34" charset="-120"/>
                 <a:ea typeface="微軟正黑體" pitchFamily="34" charset="-120"/>
               </a:rPr>
-              <a:t>寶血為我</a:t>
-            </a:r>
-            <a:r>
-              <a:rPr lang="zh-TW" altLang="en-US" sz="4800" b="1" dirty="0">
-                <a:solidFill>
-                  <a:srgbClr val="660033"/>
-                </a:solidFill>
-                <a:latin typeface="微軟正黑體" pitchFamily="34" charset="-120"/>
-                <a:ea typeface="微軟正黑體" pitchFamily="34" charset="-120"/>
-              </a:rPr>
-              <a:t>流</a:t>
+              <a:t>血為我流</a:t>
             </a:r>
             <a:endParaRPr lang="en-US" altLang="zh-TW" sz="4800" b="1" dirty="0">
               <a:solidFill>
@@ -3457,7 +3543,37 @@
                 <a:latin typeface="微軟正黑體" pitchFamily="34" charset="-120"/>
                 <a:ea typeface="微軟正黑體" pitchFamily="34" charset="-120"/>
               </a:rPr>
-              <a:t>何等恩典  你</a:t>
+              <a:t>何等恩</a:t>
+            </a:r>
+            <a:r>
+              <a:rPr lang="zh-TW" altLang="en-US" sz="4800" b="1" dirty="0" smtClean="0">
+                <a:solidFill>
+                  <a:srgbClr val="660033"/>
+                </a:solidFill>
+                <a:latin typeface="微軟正黑體" pitchFamily="34" charset="-120"/>
+                <a:ea typeface="微軟正黑體" pitchFamily="34" charset="-120"/>
+              </a:rPr>
+              <a:t>典  </a:t>
+            </a:r>
+            <a:r>
+              <a:rPr lang="zh-CN" altLang="en-US" sz="4800" b="1" dirty="0" smtClean="0">
+                <a:solidFill>
+                  <a:srgbClr val="660033"/>
+                </a:solidFill>
+                <a:latin typeface="微軟正黑體" pitchFamily="34" charset="-120"/>
+                <a:ea typeface="微軟正黑體" pitchFamily="34" charset="-120"/>
+              </a:rPr>
+              <a:t>袮</a:t>
+            </a:r>
+            <a:r>
+              <a:rPr lang="zh-TW" altLang="en-US" sz="4800" b="1" dirty="0" smtClean="0">
+                <a:solidFill>
+                  <a:srgbClr val="660033"/>
+                </a:solidFill>
+                <a:latin typeface="微軟正黑體" pitchFamily="34" charset="-120"/>
+                <a:ea typeface="微軟正黑體" pitchFamily="34" charset="-120"/>
+              </a:rPr>
+              <a:t>以</a:t>
             </a:r>
             <a:r>
               <a:rPr lang="zh-TW" altLang="en-US" sz="4800" b="1" dirty="0">
@@ -3467,17 +3583,7 @@
                 <a:latin typeface="微軟正黑體" pitchFamily="34" charset="-120"/>
                 <a:ea typeface="微軟正黑體" pitchFamily="34" charset="-120"/>
               </a:rPr>
-              <a:t>以尊貴</a:t>
-            </a:r>
-            <a:r>
-              <a:rPr lang="zh-TW" altLang="en-US" sz="4800" b="1" dirty="0">
-                <a:solidFill>
-                  <a:srgbClr val="660033"/>
-                </a:solidFill>
-                <a:latin typeface="微軟正黑體" pitchFamily="34" charset="-120"/>
-                <a:ea typeface="微軟正黑體" pitchFamily="34" charset="-120"/>
-              </a:rPr>
-              <a:t>榮耀</a:t>
+              <a:t>尊貴榮耀</a:t>
             </a:r>
             <a:endParaRPr lang="en-US" altLang="zh-TW" sz="4800" b="1" dirty="0">
               <a:solidFill>
@@ -3499,37 +3605,7 @@
                 <a:latin typeface="微軟正黑體" pitchFamily="34" charset="-120"/>
                 <a:ea typeface="微軟正黑體" pitchFamily="34" charset="-120"/>
               </a:rPr>
-              <a:t>為</a:t>
-            </a:r>
-            <a:r>
-              <a:rPr lang="zh-TW" altLang="en-US" sz="4800" b="1" dirty="0">
-                <a:solidFill>
-                  <a:srgbClr val="660033"/>
-                </a:solidFill>
-                <a:latin typeface="微軟正黑體" pitchFamily="34" charset="-120"/>
-                <a:ea typeface="微軟正黑體" pitchFamily="34" charset="-120"/>
-              </a:rPr>
-              <a:t>我</a:t>
-            </a:r>
-            <a:r>
-              <a:rPr lang="zh-TW" altLang="en-US" sz="4800" b="1" dirty="0">
-                <a:solidFill>
-                  <a:srgbClr val="660033"/>
-                </a:solidFill>
-                <a:latin typeface="微軟正黑體" pitchFamily="34" charset="-120"/>
-                <a:ea typeface="微軟正黑體" pitchFamily="34" charset="-120"/>
-              </a:rPr>
-              <a:t>冠冕  我</a:t>
-            </a:r>
-            <a:r>
-              <a:rPr lang="zh-TW" altLang="en-US" sz="4800" b="1" dirty="0">
-                <a:solidFill>
-                  <a:srgbClr val="660033"/>
-                </a:solidFill>
-                <a:latin typeface="微軟正黑體" pitchFamily="34" charset="-120"/>
-                <a:ea typeface="微軟正黑體" pitchFamily="34" charset="-120"/>
-              </a:rPr>
-              <a:t>的嘴必充滿讚美</a:t>
+              <a:t>為我冠冕  我的嘴必充滿讚美</a:t>
             </a:r>
           </a:p>
         </p:txBody>
@@ -3615,6 +3691,26 @@
               <a:buNone/>
             </a:pPr>
             <a:r>
+              <a:rPr lang="zh-CN" altLang="en-US" sz="4800" b="1" dirty="0">
+                <a:solidFill>
+                  <a:srgbClr val="660033"/>
+                </a:solidFill>
+                <a:latin typeface="微軟正黑體" pitchFamily="34" charset="-120"/>
+                <a:ea typeface="微軟正黑體" pitchFamily="34" charset="-120"/>
+              </a:rPr>
+              <a:t>袮</a:t>
+            </a:r>
+            <a:r>
+              <a:rPr lang="zh-TW" altLang="en-US" sz="4800" b="1" dirty="0" smtClean="0">
+                <a:solidFill>
+                  <a:srgbClr val="660033"/>
+                </a:solidFill>
+                <a:latin typeface="微軟正黑體" pitchFamily="34" charset="-120"/>
+                <a:ea typeface="微軟正黑體" pitchFamily="34" charset="-120"/>
+              </a:rPr>
+              <a:t>已</a:t>
+            </a:r>
+            <a:r>
               <a:rPr lang="zh-TW" altLang="en-US" sz="4800" b="1" dirty="0">
                 <a:solidFill>
                   <a:srgbClr val="660033"/>
@@ -3622,17 +3718,7 @@
                 <a:latin typeface="微軟正黑體" pitchFamily="34" charset="-120"/>
                 <a:ea typeface="微軟正黑體" pitchFamily="34" charset="-120"/>
               </a:rPr>
-              <a:t>你已挪去我所有</a:t>
-            </a:r>
-            <a:r>
-              <a:rPr lang="zh-TW" altLang="en-US" sz="4800" b="1" dirty="0">
-                <a:solidFill>
-                  <a:srgbClr val="660033"/>
-                </a:solidFill>
-                <a:latin typeface="微軟正黑體" pitchFamily="34" charset="-120"/>
-                <a:ea typeface="微軟正黑體" pitchFamily="34" charset="-120"/>
-              </a:rPr>
-              <a:t>枷鎖</a:t>
+              <a:t>挪去我所有枷鎖</a:t>
             </a:r>
             <a:endParaRPr lang="en-US" altLang="zh-TW" sz="4800" b="1" dirty="0">
               <a:solidFill>
@@ -3647,6 +3733,26 @@
               <a:buNone/>
             </a:pPr>
             <a:r>
+              <a:rPr lang="zh-CN" altLang="en-US" sz="4800" b="1" dirty="0">
+                <a:solidFill>
+                  <a:srgbClr val="660033"/>
+                </a:solidFill>
+                <a:latin typeface="微軟正黑體" pitchFamily="34" charset="-120"/>
+                <a:ea typeface="微軟正黑體" pitchFamily="34" charset="-120"/>
+              </a:rPr>
+              <a:t>袮</a:t>
+            </a:r>
+            <a:r>
+              <a:rPr lang="zh-TW" altLang="en-US" sz="4800" b="1" dirty="0" smtClean="0">
+                <a:solidFill>
+                  <a:srgbClr val="660033"/>
+                </a:solidFill>
+                <a:latin typeface="微軟正黑體" pitchFamily="34" charset="-120"/>
+                <a:ea typeface="微軟正黑體" pitchFamily="34" charset="-120"/>
+              </a:rPr>
+              <a:t>已</a:t>
+            </a:r>
+            <a:r>
               <a:rPr lang="zh-TW" altLang="en-US" sz="4800" b="1" dirty="0">
                 <a:solidFill>
                   <a:srgbClr val="660033"/>
@@ -3654,27 +3760,7 @@
                 <a:latin typeface="微軟正黑體" pitchFamily="34" charset="-120"/>
                 <a:ea typeface="微軟正黑體" pitchFamily="34" charset="-120"/>
               </a:rPr>
-              <a:t>你</a:t>
-            </a:r>
-            <a:r>
-              <a:rPr lang="zh-TW" altLang="en-US" sz="4800" b="1" dirty="0">
-                <a:solidFill>
-                  <a:srgbClr val="660033"/>
-                </a:solidFill>
-                <a:latin typeface="微軟正黑體" pitchFamily="34" charset="-120"/>
-                <a:ea typeface="微軟正黑體" pitchFamily="34" charset="-120"/>
-              </a:rPr>
-              <a:t>已挪去我所有</a:t>
-            </a:r>
-            <a:r>
-              <a:rPr lang="zh-TW" altLang="en-US" sz="4800" b="1" dirty="0">
-                <a:solidFill>
-                  <a:srgbClr val="660033"/>
-                </a:solidFill>
-                <a:latin typeface="微軟正黑體" pitchFamily="34" charset="-120"/>
-                <a:ea typeface="微軟正黑體" pitchFamily="34" charset="-120"/>
-              </a:rPr>
-              <a:t>重擔</a:t>
+              <a:t>挪去我所有重擔</a:t>
             </a:r>
             <a:endParaRPr lang="en-US" altLang="zh-TW" sz="4800" b="1" dirty="0">
               <a:solidFill>
@@ -3689,6 +3775,26 @@
               <a:buNone/>
             </a:pPr>
             <a:r>
+              <a:rPr lang="zh-CN" altLang="en-US" sz="4800" b="1" dirty="0">
+                <a:solidFill>
+                  <a:srgbClr val="660033"/>
+                </a:solidFill>
+                <a:latin typeface="微軟正黑體" pitchFamily="34" charset="-120"/>
+                <a:ea typeface="微軟正黑體" pitchFamily="34" charset="-120"/>
+              </a:rPr>
+              <a:t>袮</a:t>
+            </a:r>
+            <a:r>
+              <a:rPr lang="zh-TW" altLang="en-US" sz="4800" b="1" dirty="0" smtClean="0">
+                <a:solidFill>
+                  <a:srgbClr val="660033"/>
+                </a:solidFill>
+                <a:latin typeface="微軟正黑體" pitchFamily="34" charset="-120"/>
+                <a:ea typeface="微軟正黑體" pitchFamily="34" charset="-120"/>
+              </a:rPr>
+              <a:t>已</a:t>
+            </a:r>
+            <a:r>
               <a:rPr lang="zh-TW" altLang="en-US" sz="4800" b="1" dirty="0">
                 <a:solidFill>
                   <a:srgbClr val="660033"/>
@@ -3696,27 +3802,7 @@
                 <a:latin typeface="微軟正黑體" pitchFamily="34" charset="-120"/>
                 <a:ea typeface="微軟正黑體" pitchFamily="34" charset="-120"/>
               </a:rPr>
-              <a:t>你</a:t>
-            </a:r>
-            <a:r>
-              <a:rPr lang="zh-TW" altLang="en-US" sz="4800" b="1" dirty="0">
-                <a:solidFill>
-                  <a:srgbClr val="660033"/>
-                </a:solidFill>
-                <a:latin typeface="微軟正黑體" pitchFamily="34" charset="-120"/>
-                <a:ea typeface="微軟正黑體" pitchFamily="34" charset="-120"/>
-              </a:rPr>
-              <a:t>已挪去我所有</a:t>
-            </a:r>
-            <a:r>
-              <a:rPr lang="zh-TW" altLang="en-US" sz="4800" b="1" dirty="0">
-                <a:solidFill>
-                  <a:srgbClr val="660033"/>
-                </a:solidFill>
-                <a:latin typeface="微軟正黑體" pitchFamily="34" charset="-120"/>
-                <a:ea typeface="微軟正黑體" pitchFamily="34" charset="-120"/>
-              </a:rPr>
-              <a:t>傷悲</a:t>
+              <a:t>挪去我所有傷悲</a:t>
             </a:r>
             <a:endParaRPr lang="en-US" altLang="zh-TW" sz="4800" b="1" dirty="0">
               <a:solidFill>
@@ -3731,6 +3817,26 @@
               <a:buNone/>
             </a:pPr>
             <a:r>
+              <a:rPr lang="zh-CN" altLang="en-US" sz="4800" b="1" dirty="0">
+                <a:solidFill>
+                  <a:srgbClr val="660033"/>
+                </a:solidFill>
+                <a:latin typeface="微軟正黑體" pitchFamily="34" charset="-120"/>
+                <a:ea typeface="微軟正黑體" pitchFamily="34" charset="-120"/>
+              </a:rPr>
+              <a:t>袮</a:t>
+            </a:r>
+            <a:r>
+              <a:rPr lang="zh-TW" altLang="en-US" sz="4800" b="1" dirty="0" smtClean="0">
+                <a:solidFill>
+                  <a:srgbClr val="660033"/>
+                </a:solidFill>
+                <a:latin typeface="微軟正黑體" pitchFamily="34" charset="-120"/>
+                <a:ea typeface="微軟正黑體" pitchFamily="34" charset="-120"/>
+              </a:rPr>
+              <a:t>的</a:t>
+            </a:r>
+            <a:r>
               <a:rPr lang="zh-TW" altLang="en-US" sz="4800" b="1" dirty="0">
                 <a:solidFill>
                   <a:srgbClr val="660033"/>
@@ -3738,17 +3844,7 @@
                 <a:latin typeface="微軟正黑體" pitchFamily="34" charset="-120"/>
                 <a:ea typeface="微軟正黑體" pitchFamily="34" charset="-120"/>
               </a:rPr>
-              <a:t>你</a:t>
-            </a:r>
-            <a:r>
-              <a:rPr lang="zh-TW" altLang="en-US" sz="4800" b="1" dirty="0">
-                <a:solidFill>
-                  <a:srgbClr val="660033"/>
-                </a:solidFill>
-                <a:latin typeface="微軟正黑體" pitchFamily="34" charset="-120"/>
-                <a:ea typeface="微軟正黑體" pitchFamily="34" charset="-120"/>
-              </a:rPr>
-              <a:t>的名配得所有頌讚</a:t>
+              <a:t>名配得所有頌讚</a:t>
             </a:r>
           </a:p>
         </p:txBody>

--- a/何等恩典(崇拜版).pptx
+++ b/何等恩典(崇拜版).pptx
@@ -8,6 +8,10 @@
     <p:sldId id="256" r:id="rId2"/>
     <p:sldId id="257" r:id="rId3"/>
     <p:sldId id="258" r:id="rId4"/>
+    <p:sldId id="259" r:id="rId5"/>
+    <p:sldId id="260" r:id="rId6"/>
+    <p:sldId id="261" r:id="rId7"/>
+    <p:sldId id="262" r:id="rId8"/>
   </p:sldIdLst>
   <p:sldSz cx="9144000" cy="5143500" type="screen16x9"/>
   <p:notesSz cx="6858000" cy="9144000"/>
@@ -306,7 +310,7 @@
           <a:p>
             <a:fld id="{304EAD91-56F9-4EB2-AFAA-94188B17C6C2}" type="datetimeFigureOut">
               <a:rPr lang="zh-TW" altLang="en-US" smtClean="0"/>
-              <a:t>2020/4/7</a:t>
+              <a:t>2020/11/28</a:t>
             </a:fld>
             <a:endParaRPr lang="zh-TW" altLang="en-US"/>
           </a:p>
@@ -471,7 +475,7 @@
           <a:p>
             <a:fld id="{304EAD91-56F9-4EB2-AFAA-94188B17C6C2}" type="datetimeFigureOut">
               <a:rPr lang="zh-TW" altLang="en-US" smtClean="0"/>
-              <a:t>2020/4/7</a:t>
+              <a:t>2020/11/28</a:t>
             </a:fld>
             <a:endParaRPr lang="zh-TW" altLang="en-US"/>
           </a:p>
@@ -646,7 +650,7 @@
           <a:p>
             <a:fld id="{304EAD91-56F9-4EB2-AFAA-94188B17C6C2}" type="datetimeFigureOut">
               <a:rPr lang="zh-TW" altLang="en-US" smtClean="0"/>
-              <a:t>2020/4/7</a:t>
+              <a:t>2020/11/28</a:t>
             </a:fld>
             <a:endParaRPr lang="zh-TW" altLang="en-US"/>
           </a:p>
@@ -811,7 +815,7 @@
           <a:p>
             <a:fld id="{304EAD91-56F9-4EB2-AFAA-94188B17C6C2}" type="datetimeFigureOut">
               <a:rPr lang="zh-TW" altLang="en-US" smtClean="0"/>
-              <a:t>2020/4/7</a:t>
+              <a:t>2020/11/28</a:t>
             </a:fld>
             <a:endParaRPr lang="zh-TW" altLang="en-US"/>
           </a:p>
@@ -1052,7 +1056,7 @@
           <a:p>
             <a:fld id="{304EAD91-56F9-4EB2-AFAA-94188B17C6C2}" type="datetimeFigureOut">
               <a:rPr lang="zh-TW" altLang="en-US" smtClean="0"/>
-              <a:t>2020/4/7</a:t>
+              <a:t>2020/11/28</a:t>
             </a:fld>
             <a:endParaRPr lang="zh-TW" altLang="en-US"/>
           </a:p>
@@ -1335,7 +1339,7 @@
           <a:p>
             <a:fld id="{304EAD91-56F9-4EB2-AFAA-94188B17C6C2}" type="datetimeFigureOut">
               <a:rPr lang="zh-TW" altLang="en-US" smtClean="0"/>
-              <a:t>2020/4/7</a:t>
+              <a:t>2020/11/28</a:t>
             </a:fld>
             <a:endParaRPr lang="zh-TW" altLang="en-US"/>
           </a:p>
@@ -1752,7 +1756,7 @@
           <a:p>
             <a:fld id="{304EAD91-56F9-4EB2-AFAA-94188B17C6C2}" type="datetimeFigureOut">
               <a:rPr lang="zh-TW" altLang="en-US" smtClean="0"/>
-              <a:t>2020/4/7</a:t>
+              <a:t>2020/11/28</a:t>
             </a:fld>
             <a:endParaRPr lang="zh-TW" altLang="en-US"/>
           </a:p>
@@ -1865,7 +1869,7 @@
           <a:p>
             <a:fld id="{304EAD91-56F9-4EB2-AFAA-94188B17C6C2}" type="datetimeFigureOut">
               <a:rPr lang="zh-TW" altLang="en-US" smtClean="0"/>
-              <a:t>2020/4/7</a:t>
+              <a:t>2020/11/28</a:t>
             </a:fld>
             <a:endParaRPr lang="zh-TW" altLang="en-US"/>
           </a:p>
@@ -1955,7 +1959,7 @@
           <a:p>
             <a:fld id="{304EAD91-56F9-4EB2-AFAA-94188B17C6C2}" type="datetimeFigureOut">
               <a:rPr lang="zh-TW" altLang="en-US" smtClean="0"/>
-              <a:t>2020/4/7</a:t>
+              <a:t>2020/11/28</a:t>
             </a:fld>
             <a:endParaRPr lang="zh-TW" altLang="en-US"/>
           </a:p>
@@ -2227,7 +2231,7 @@
           <a:p>
             <a:fld id="{304EAD91-56F9-4EB2-AFAA-94188B17C6C2}" type="datetimeFigureOut">
               <a:rPr lang="zh-TW" altLang="en-US" smtClean="0"/>
-              <a:t>2020/4/7</a:t>
+              <a:t>2020/11/28</a:t>
             </a:fld>
             <a:endParaRPr lang="zh-TW" altLang="en-US"/>
           </a:p>
@@ -2479,7 +2483,7 @@
           <a:p>
             <a:fld id="{304EAD91-56F9-4EB2-AFAA-94188B17C6C2}" type="datetimeFigureOut">
               <a:rPr lang="zh-TW" altLang="en-US" smtClean="0"/>
-              <a:t>2020/4/7</a:t>
+              <a:t>2020/11/28</a:t>
             </a:fld>
             <a:endParaRPr lang="zh-TW" altLang="en-US"/>
           </a:p>
@@ -2692,7 +2696,7 @@
           <a:p>
             <a:fld id="{304EAD91-56F9-4EB2-AFAA-94188B17C6C2}" type="datetimeFigureOut">
               <a:rPr lang="zh-TW" altLang="en-US" smtClean="0"/>
-              <a:t>2020/4/7</a:t>
+              <a:t>2020/11/28</a:t>
             </a:fld>
             <a:endParaRPr lang="zh-TW" altLang="en-US"/>
           </a:p>
@@ -3072,266 +3076,61 @@
             <p:ph type="title"/>
           </p:nvPr>
         </p:nvSpPr>
-        <p:spPr/>
+        <p:spPr>
+          <a:xfrm>
+            <a:off x="0" y="2143135"/>
+            <a:ext cx="9144000" cy="857250"/>
+          </a:xfrm>
+        </p:spPr>
         <p:txBody>
           <a:bodyPr>
-            <a:normAutofit/>
+            <a:noAutofit/>
           </a:bodyPr>
           <a:lstStyle/>
           <a:p>
             <a:r>
-              <a:rPr lang="zh-TW" altLang="en-US" sz="4000" b="1" dirty="0">
+              <a:rPr lang="zh-TW" altLang="en-US" sz="5400" b="1" i="1" dirty="0" smtClean="0">
                 <a:solidFill>
                   <a:srgbClr val="660033"/>
                 </a:solidFill>
+                <a:effectLst>
+                  <a:outerShdw blurRad="38100" dist="38100" dir="2700000" algn="tl">
+                    <a:srgbClr val="000000">
+                      <a:alpha val="43137"/>
+                    </a:srgbClr>
+                  </a:outerShdw>
+                </a:effectLst>
                 <a:latin typeface="微軟正黑體" pitchFamily="34" charset="-120"/>
                 <a:ea typeface="微軟正黑體" pitchFamily="34" charset="-120"/>
               </a:rPr>
-              <a:t>何等恩典</a:t>
-            </a:r>
-          </a:p>
-        </p:txBody>
-      </p:sp>
-      <p:sp>
-        <p:nvSpPr>
-          <p:cNvPr id="5" name="內容版面配置區 4"/>
-          <p:cNvSpPr>
-            <a:spLocks noGrp="1"/>
-          </p:cNvSpPr>
-          <p:nvPr>
-            <p:ph idx="1"/>
-          </p:nvPr>
-        </p:nvSpPr>
-        <p:spPr/>
-        <p:txBody>
-          <a:bodyPr>
-            <a:noAutofit/>
-          </a:bodyPr>
-          <a:lstStyle/>
-          <a:p>
-            <a:pPr algn="ctr">
-              <a:buNone/>
-            </a:pPr>
-            <a:r>
-              <a:rPr lang="zh-TW" altLang="en-US" sz="4800" b="1" dirty="0">
+              <a:t>何</a:t>
+            </a:r>
+            <a:r>
+              <a:rPr lang="zh-TW" altLang="en-US" sz="5400" b="1" i="1" dirty="0">
                 <a:solidFill>
                   <a:srgbClr val="660033"/>
                 </a:solidFill>
+                <a:effectLst>
+                  <a:outerShdw blurRad="38100" dist="38100" dir="2700000" algn="tl">
+                    <a:srgbClr val="000000">
+                      <a:alpha val="43137"/>
+                    </a:srgbClr>
+                  </a:outerShdw>
+                </a:effectLst>
                 <a:latin typeface="微軟正黑體" pitchFamily="34" charset="-120"/>
                 <a:ea typeface="微軟正黑體" pitchFamily="34" charset="-120"/>
               </a:rPr>
-              <a:t>以真誠的</a:t>
-            </a:r>
-            <a:r>
-              <a:rPr lang="zh-TW" altLang="en-US" sz="4800" b="1" dirty="0" smtClean="0">
-                <a:solidFill>
-                  <a:srgbClr val="660033"/>
-                </a:solidFill>
-                <a:latin typeface="微軟正黑體" pitchFamily="34" charset="-120"/>
-                <a:ea typeface="微軟正黑體" pitchFamily="34" charset="-120"/>
-              </a:rPr>
-              <a:t>心  降服</a:t>
-            </a:r>
-            <a:r>
-              <a:rPr lang="zh-TW" altLang="en-US" sz="4800" b="1" dirty="0" smtClean="0">
-                <a:solidFill>
-                  <a:srgbClr val="660033"/>
-                </a:solidFill>
-                <a:latin typeface="微軟正黑體" pitchFamily="34" charset="-120"/>
-                <a:ea typeface="微軟正黑體" pitchFamily="34" charset="-120"/>
-              </a:rPr>
-              <a:t>在</a:t>
-            </a:r>
-            <a:r>
-              <a:rPr lang="zh-CN" altLang="en-US" sz="4800" b="1" dirty="0" smtClean="0">
-                <a:solidFill>
-                  <a:srgbClr val="660033"/>
-                </a:solidFill>
-                <a:latin typeface="微軟正黑體" pitchFamily="34" charset="-120"/>
-                <a:ea typeface="微軟正黑體" pitchFamily="34" charset="-120"/>
-              </a:rPr>
-              <a:t>袮</a:t>
-            </a:r>
-            <a:r>
-              <a:rPr lang="zh-TW" altLang="en-US" sz="4800" b="1" dirty="0" smtClean="0">
-                <a:solidFill>
-                  <a:srgbClr val="660033"/>
-                </a:solidFill>
-                <a:latin typeface="微軟正黑體" pitchFamily="34" charset="-120"/>
-                <a:ea typeface="微軟正黑體" pitchFamily="34" charset="-120"/>
-              </a:rPr>
-              <a:t>面</a:t>
-            </a:r>
-            <a:r>
-              <a:rPr lang="zh-TW" altLang="en-US" sz="4800" b="1" dirty="0" smtClean="0">
-                <a:solidFill>
-                  <a:srgbClr val="660033"/>
-                </a:solidFill>
-                <a:latin typeface="微軟正黑體" pitchFamily="34" charset="-120"/>
-                <a:ea typeface="微軟正黑體" pitchFamily="34" charset="-120"/>
-              </a:rPr>
-              <a:t>前</a:t>
-            </a:r>
-            <a:endParaRPr lang="en-US" altLang="zh-TW" sz="4800" b="1" dirty="0" smtClean="0">
-              <a:solidFill>
-                <a:srgbClr val="660033"/>
-              </a:solidFill>
-              <a:latin typeface="微軟正黑體" pitchFamily="34" charset="-120"/>
-              <a:ea typeface="微軟正黑體" pitchFamily="34" charset="-120"/>
-            </a:endParaRPr>
-          </a:p>
-          <a:p>
-            <a:pPr algn="ctr">
-              <a:buNone/>
-            </a:pPr>
-            <a:r>
-              <a:rPr lang="zh-TW" altLang="en-US" sz="4800" b="1" dirty="0" smtClean="0">
-                <a:solidFill>
-                  <a:srgbClr val="660033"/>
-                </a:solidFill>
-                <a:latin typeface="微軟正黑體" pitchFamily="34" charset="-120"/>
-                <a:ea typeface="微軟正黑體" pitchFamily="34" charset="-120"/>
-              </a:rPr>
-              <a:t>開</a:t>
-            </a:r>
-            <a:r>
-              <a:rPr lang="zh-TW" altLang="en-US" sz="4800" b="1" dirty="0">
-                <a:solidFill>
-                  <a:srgbClr val="660033"/>
-                </a:solidFill>
-                <a:latin typeface="微軟正黑體" pitchFamily="34" charset="-120"/>
-                <a:ea typeface="微軟正黑體" pitchFamily="34" charset="-120"/>
-              </a:rPr>
-              <a:t>我心眼使我</a:t>
-            </a:r>
-            <a:r>
-              <a:rPr lang="zh-TW" altLang="en-US" sz="4800" b="1" dirty="0" smtClean="0">
-                <a:solidFill>
-                  <a:srgbClr val="660033"/>
-                </a:solidFill>
-                <a:latin typeface="微軟正黑體" pitchFamily="34" charset="-120"/>
-                <a:ea typeface="微軟正黑體" pitchFamily="34" charset="-120"/>
-              </a:rPr>
-              <a:t>看見</a:t>
-            </a:r>
-            <a:endParaRPr lang="en-US" altLang="zh-TW" sz="4800" b="1" dirty="0">
-              <a:solidFill>
-                <a:srgbClr val="660033"/>
-              </a:solidFill>
-              <a:latin typeface="微軟正黑體" pitchFamily="34" charset="-120"/>
-              <a:ea typeface="微軟正黑體" pitchFamily="34" charset="-120"/>
-            </a:endParaRPr>
-          </a:p>
-          <a:p>
-            <a:pPr algn="ctr">
-              <a:buNone/>
-            </a:pPr>
-            <a:r>
-              <a:rPr lang="zh-TW" altLang="en-US" sz="4800" b="1" dirty="0" smtClean="0">
-                <a:solidFill>
-                  <a:srgbClr val="660033"/>
-                </a:solidFill>
-                <a:latin typeface="微軟正黑體" pitchFamily="34" charset="-120"/>
-                <a:ea typeface="微軟正黑體" pitchFamily="34" charset="-120"/>
-              </a:rPr>
-              <a:t>以</a:t>
-            </a:r>
-            <a:r>
-              <a:rPr lang="zh-TW" altLang="en-US" sz="4800" b="1" dirty="0">
-                <a:solidFill>
-                  <a:srgbClr val="660033"/>
-                </a:solidFill>
-                <a:latin typeface="微軟正黑體" pitchFamily="34" charset="-120"/>
-                <a:ea typeface="微軟正黑體" pitchFamily="34" charset="-120"/>
-              </a:rPr>
-              <a:t>感恩的</a:t>
-            </a:r>
-            <a:r>
-              <a:rPr lang="zh-TW" altLang="en-US" sz="4800" b="1" dirty="0" smtClean="0">
-                <a:solidFill>
-                  <a:srgbClr val="660033"/>
-                </a:solidFill>
-                <a:latin typeface="微軟正黑體" pitchFamily="34" charset="-120"/>
-                <a:ea typeface="微軟正黑體" pitchFamily="34" charset="-120"/>
-              </a:rPr>
-              <a:t>心  領受</a:t>
-            </a:r>
-            <a:r>
-              <a:rPr lang="zh-TW" altLang="en-US" sz="4800" b="1" dirty="0">
-                <a:solidFill>
-                  <a:srgbClr val="660033"/>
-                </a:solidFill>
-                <a:latin typeface="微軟正黑體" pitchFamily="34" charset="-120"/>
-                <a:ea typeface="微軟正黑體" pitchFamily="34" charset="-120"/>
-              </a:rPr>
-              <a:t>生命</a:t>
-            </a:r>
-            <a:r>
-              <a:rPr lang="zh-TW" altLang="en-US" sz="4800" b="1" dirty="0" smtClean="0">
-                <a:solidFill>
-                  <a:srgbClr val="660033"/>
-                </a:solidFill>
-                <a:latin typeface="微軟正黑體" pitchFamily="34" charset="-120"/>
-                <a:ea typeface="微軟正黑體" pitchFamily="34" charset="-120"/>
-              </a:rPr>
-              <a:t>活水</a:t>
-            </a:r>
-            <a:endParaRPr lang="en-US" altLang="zh-TW" sz="4800" b="1" dirty="0" smtClean="0">
-              <a:solidFill>
-                <a:srgbClr val="660033"/>
-              </a:solidFill>
-              <a:latin typeface="微軟正黑體" pitchFamily="34" charset="-120"/>
-              <a:ea typeface="微軟正黑體" pitchFamily="34" charset="-120"/>
-            </a:endParaRPr>
-          </a:p>
-          <a:p>
-            <a:pPr algn="ctr">
-              <a:buNone/>
-            </a:pPr>
-            <a:r>
-              <a:rPr lang="zh-TW" altLang="en-US" sz="4800" b="1" dirty="0" smtClean="0">
-                <a:solidFill>
-                  <a:srgbClr val="660033"/>
-                </a:solidFill>
-                <a:latin typeface="微軟正黑體" pitchFamily="34" charset="-120"/>
-                <a:ea typeface="微軟正黑體" pitchFamily="34" charset="-120"/>
-              </a:rPr>
-              <a:t>從</a:t>
-            </a:r>
-            <a:r>
-              <a:rPr lang="zh-CN" altLang="en-US" sz="4800" b="1" dirty="0">
-                <a:solidFill>
-                  <a:srgbClr val="660033"/>
-                </a:solidFill>
-                <a:latin typeface="微軟正黑體" pitchFamily="34" charset="-120"/>
-                <a:ea typeface="微軟正黑體" pitchFamily="34" charset="-120"/>
-              </a:rPr>
-              <a:t>袮</a:t>
-            </a:r>
-            <a:r>
-              <a:rPr lang="zh-TW" altLang="en-US" sz="4800" b="1" dirty="0" smtClean="0">
-                <a:solidFill>
-                  <a:srgbClr val="660033"/>
-                </a:solidFill>
-                <a:latin typeface="微軟正黑體" pitchFamily="34" charset="-120"/>
-                <a:ea typeface="微軟正黑體" pitchFamily="34" charset="-120"/>
-              </a:rPr>
-              <a:t>而</a:t>
-            </a:r>
-            <a:r>
-              <a:rPr lang="zh-TW" altLang="en-US" sz="4800" b="1" dirty="0">
-                <a:solidFill>
-                  <a:srgbClr val="660033"/>
-                </a:solidFill>
-                <a:latin typeface="微軟正黑體" pitchFamily="34" charset="-120"/>
-                <a:ea typeface="微軟正黑體" pitchFamily="34" charset="-120"/>
-              </a:rPr>
-              <a:t>來的溫柔謙卑</a:t>
+              <a:t>等恩典</a:t>
             </a:r>
           </a:p>
         </p:txBody>
       </p:sp>
     </p:spTree>
+    <p:extLst>
+      <p:ext uri="{BB962C8B-B14F-4D97-AF65-F5344CB8AC3E}">
+        <p14:creationId xmlns:p14="http://schemas.microsoft.com/office/powerpoint/2010/main" val="3462824410"/>
+      </p:ext>
+    </p:extLst>
   </p:cSld>
   <p:clrMapOvr>
     <a:masterClrMapping/>
@@ -3358,81 +3157,41 @@
       </p:grpSpPr>
       <p:sp>
         <p:nvSpPr>
-          <p:cNvPr id="4" name="標題 3"/>
-          <p:cNvSpPr>
-            <a:spLocks noGrp="1"/>
-          </p:cNvSpPr>
-          <p:nvPr>
-            <p:ph type="title"/>
-          </p:nvPr>
-        </p:nvSpPr>
-        <p:spPr/>
-        <p:txBody>
-          <a:bodyPr>
+          <p:cNvPr id="5" name="內容版面配置區 4"/>
+          <p:cNvSpPr>
+            <a:spLocks noGrp="1"/>
+          </p:cNvSpPr>
+          <p:nvPr>
+            <p:ph idx="1"/>
+          </p:nvPr>
+        </p:nvSpPr>
+        <p:spPr>
+          <a:xfrm>
+            <a:off x="0" y="1563638"/>
+            <a:ext cx="9144000" cy="1803647"/>
+          </a:xfrm>
+        </p:spPr>
+        <p:txBody>
+          <a:bodyPr anchor="ctr">
             <a:normAutofit/>
           </a:bodyPr>
           <a:lstStyle/>
           <a:p>
-            <a:r>
-              <a:rPr lang="zh-TW" altLang="en-US" sz="4000" b="1" dirty="0">
+            <a:pPr algn="ctr">
+              <a:buNone/>
+            </a:pPr>
+            <a:r>
+              <a:rPr lang="zh-TW" altLang="en-US" sz="4800" b="1" dirty="0">
                 <a:solidFill>
                   <a:srgbClr val="660033"/>
                 </a:solidFill>
                 <a:latin typeface="微軟正黑體" pitchFamily="34" charset="-120"/>
                 <a:ea typeface="微軟正黑體" pitchFamily="34" charset="-120"/>
               </a:rPr>
-              <a:t>何等恩典</a:t>
-            </a:r>
-          </a:p>
-        </p:txBody>
-      </p:sp>
-      <p:sp>
-        <p:nvSpPr>
-          <p:cNvPr id="5" name="內容版面配置區 4"/>
-          <p:cNvSpPr>
-            <a:spLocks noGrp="1"/>
-          </p:cNvSpPr>
-          <p:nvPr>
-            <p:ph idx="1"/>
-          </p:nvPr>
-        </p:nvSpPr>
-        <p:spPr>
-          <a:xfrm>
-            <a:off x="0" y="1200151"/>
-            <a:ext cx="9144000" cy="3394472"/>
-          </a:xfrm>
-        </p:spPr>
-        <p:txBody>
-          <a:bodyPr>
-            <a:noAutofit/>
-          </a:bodyPr>
-          <a:lstStyle/>
-          <a:p>
-            <a:pPr algn="ctr">
-              <a:buNone/>
-            </a:pPr>
-            <a:r>
-              <a:rPr lang="zh-TW" altLang="en-US" sz="4800" b="1" dirty="0">
-                <a:solidFill>
-                  <a:srgbClr val="660033"/>
-                </a:solidFill>
-                <a:latin typeface="微軟正黑體" pitchFamily="34" charset="-120"/>
-                <a:ea typeface="微軟正黑體" pitchFamily="34" charset="-120"/>
-              </a:rPr>
-              <a:t>何等恩</a:t>
-            </a:r>
-            <a:r>
-              <a:rPr lang="zh-TW" altLang="en-US" sz="4800" b="1" dirty="0" smtClean="0">
-                <a:solidFill>
-                  <a:srgbClr val="660033"/>
-                </a:solidFill>
-                <a:latin typeface="微軟正黑體" pitchFamily="34" charset="-120"/>
-                <a:ea typeface="微軟正黑體" pitchFamily="34" charset="-120"/>
-              </a:rPr>
-              <a:t>典  </a:t>
-            </a:r>
-            <a:r>
-              <a:rPr lang="zh-CN" altLang="en-US" sz="4800" b="1" dirty="0" smtClean="0">
+              <a:t>以真誠的心  降服在</a:t>
+            </a:r>
+            <a:r>
+              <a:rPr lang="zh-CN" altLang="en-US" sz="4800" b="1" dirty="0">
                 <a:solidFill>
                   <a:srgbClr val="660033"/>
                 </a:solidFill>
@@ -3442,24 +3201,14 @@
               <a:t>袮</a:t>
             </a:r>
             <a:r>
-              <a:rPr lang="zh-TW" altLang="en-US" sz="4800" b="1" dirty="0" smtClean="0">
+              <a:rPr lang="zh-TW" altLang="en-US" sz="4800" b="1" dirty="0">
                 <a:solidFill>
                   <a:srgbClr val="660033"/>
                 </a:solidFill>
                 <a:latin typeface="微軟正黑體" pitchFamily="34" charset="-120"/>
                 <a:ea typeface="微軟正黑體" pitchFamily="34" charset="-120"/>
               </a:rPr>
-              <a:t>竟</a:t>
-            </a:r>
-            <a:r>
-              <a:rPr lang="zh-TW" altLang="en-US" sz="4800" b="1" dirty="0">
-                <a:solidFill>
-                  <a:srgbClr val="660033"/>
-                </a:solidFill>
-                <a:latin typeface="微軟正黑體" pitchFamily="34" charset="-120"/>
-                <a:ea typeface="微軟正黑體" pitchFamily="34" charset="-120"/>
-              </a:rPr>
-              <a:t>然在乎我</a:t>
+              <a:t>面前</a:t>
             </a:r>
             <a:endParaRPr lang="en-US" altLang="zh-TW" sz="4800" b="1" dirty="0">
               <a:solidFill>
@@ -3481,47 +3230,7 @@
                 <a:latin typeface="微軟正黑體" pitchFamily="34" charset="-120"/>
                 <a:ea typeface="微軟正黑體" pitchFamily="34" charset="-120"/>
               </a:rPr>
-              <a:t>何等恩</a:t>
-            </a:r>
-            <a:r>
-              <a:rPr lang="zh-TW" altLang="en-US" sz="4800" b="1" dirty="0" smtClean="0">
-                <a:solidFill>
-                  <a:srgbClr val="660033"/>
-                </a:solidFill>
-                <a:latin typeface="微軟正黑體" pitchFamily="34" charset="-120"/>
-                <a:ea typeface="微軟正黑體" pitchFamily="34" charset="-120"/>
-              </a:rPr>
-              <a:t>典  </a:t>
-            </a:r>
-            <a:r>
-              <a:rPr lang="zh-CN" altLang="en-US" sz="4800" b="1" dirty="0" smtClean="0">
-                <a:solidFill>
-                  <a:srgbClr val="660033"/>
-                </a:solidFill>
-                <a:latin typeface="微軟正黑體" pitchFamily="34" charset="-120"/>
-                <a:ea typeface="微軟正黑體" pitchFamily="34" charset="-120"/>
-              </a:rPr>
-              <a:t>袮</a:t>
-            </a:r>
-            <a:r>
-              <a:rPr lang="zh-TW" altLang="en-US" sz="4800" b="1" dirty="0" smtClean="0">
-                <a:solidFill>
-                  <a:srgbClr val="660033"/>
-                </a:solidFill>
-                <a:latin typeface="微軟正黑體" pitchFamily="34" charset="-120"/>
-                <a:ea typeface="微軟正黑體" pitchFamily="34" charset="-120"/>
-              </a:rPr>
-              <a:t>寶</a:t>
-            </a:r>
-            <a:r>
-              <a:rPr lang="zh-TW" altLang="en-US" sz="4800" b="1" dirty="0">
-                <a:solidFill>
-                  <a:srgbClr val="660033"/>
-                </a:solidFill>
-                <a:latin typeface="微軟正黑體" pitchFamily="34" charset="-120"/>
-                <a:ea typeface="微軟正黑體" pitchFamily="34" charset="-120"/>
-              </a:rPr>
-              <a:t>血為我流</a:t>
+              <a:t>開我心眼使我看見</a:t>
             </a:r>
             <a:endParaRPr lang="en-US" altLang="zh-TW" sz="4800" b="1" dirty="0">
               <a:solidFill>
@@ -3531,86 +3240,14 @@
               <a:ea typeface="微軟正黑體" pitchFamily="34" charset="-120"/>
             </a:endParaRPr>
           </a:p>
-          <a:p>
-            <a:pPr algn="ctr">
-              <a:buNone/>
-            </a:pPr>
-            <a:r>
-              <a:rPr lang="zh-TW" altLang="en-US" sz="4800" b="1" dirty="0">
-                <a:solidFill>
-                  <a:srgbClr val="660033"/>
-                </a:solidFill>
-                <a:latin typeface="微軟正黑體" pitchFamily="34" charset="-120"/>
-                <a:ea typeface="微軟正黑體" pitchFamily="34" charset="-120"/>
-              </a:rPr>
-              <a:t>何等恩</a:t>
-            </a:r>
-            <a:r>
-              <a:rPr lang="zh-TW" altLang="en-US" sz="4800" b="1" dirty="0" smtClean="0">
-                <a:solidFill>
-                  <a:srgbClr val="660033"/>
-                </a:solidFill>
-                <a:latin typeface="微軟正黑體" pitchFamily="34" charset="-120"/>
-                <a:ea typeface="微軟正黑體" pitchFamily="34" charset="-120"/>
-              </a:rPr>
-              <a:t>典  </a:t>
-            </a:r>
-            <a:r>
-              <a:rPr lang="zh-CN" altLang="en-US" sz="4800" b="1" dirty="0" smtClean="0">
-                <a:solidFill>
-                  <a:srgbClr val="660033"/>
-                </a:solidFill>
-                <a:latin typeface="微軟正黑體" pitchFamily="34" charset="-120"/>
-                <a:ea typeface="微軟正黑體" pitchFamily="34" charset="-120"/>
-              </a:rPr>
-              <a:t>袮</a:t>
-            </a:r>
-            <a:r>
-              <a:rPr lang="zh-TW" altLang="en-US" sz="4800" b="1" dirty="0" smtClean="0">
-                <a:solidFill>
-                  <a:srgbClr val="660033"/>
-                </a:solidFill>
-                <a:latin typeface="微軟正黑體" pitchFamily="34" charset="-120"/>
-                <a:ea typeface="微軟正黑體" pitchFamily="34" charset="-120"/>
-              </a:rPr>
-              <a:t>以</a:t>
-            </a:r>
-            <a:r>
-              <a:rPr lang="zh-TW" altLang="en-US" sz="4800" b="1" dirty="0">
-                <a:solidFill>
-                  <a:srgbClr val="660033"/>
-                </a:solidFill>
-                <a:latin typeface="微軟正黑體" pitchFamily="34" charset="-120"/>
-                <a:ea typeface="微軟正黑體" pitchFamily="34" charset="-120"/>
-              </a:rPr>
-              <a:t>尊貴榮耀</a:t>
-            </a:r>
-            <a:endParaRPr lang="en-US" altLang="zh-TW" sz="4800" b="1" dirty="0">
-              <a:solidFill>
-                <a:srgbClr val="660033"/>
-              </a:solidFill>
-              <a:latin typeface="微軟正黑體" pitchFamily="34" charset="-120"/>
-              <a:ea typeface="微軟正黑體" pitchFamily="34" charset="-120"/>
-            </a:endParaRPr>
-          </a:p>
-          <a:p>
-            <a:pPr algn="ctr">
-              <a:buNone/>
-            </a:pPr>
-            <a:r>
-              <a:rPr lang="zh-TW" altLang="en-US" sz="4800" b="1" dirty="0">
-                <a:solidFill>
-                  <a:srgbClr val="660033"/>
-                </a:solidFill>
-                <a:latin typeface="微軟正黑體" pitchFamily="34" charset="-120"/>
-                <a:ea typeface="微軟正黑體" pitchFamily="34" charset="-120"/>
-              </a:rPr>
-              <a:t>為我冠冕  我的嘴必充滿讚美</a:t>
-            </a:r>
-          </a:p>
         </p:txBody>
       </p:sp>
     </p:spTree>
+    <p:extLst>
+      <p:ext uri="{BB962C8B-B14F-4D97-AF65-F5344CB8AC3E}">
+        <p14:creationId xmlns:p14="http://schemas.microsoft.com/office/powerpoint/2010/main" val="1171062122"/>
+      </p:ext>
+    </p:extLst>
   </p:cSld>
   <p:clrMapOvr>
     <a:masterClrMapping/>
@@ -3637,88 +3274,38 @@
       </p:grpSpPr>
       <p:sp>
         <p:nvSpPr>
-          <p:cNvPr id="4" name="標題 3"/>
-          <p:cNvSpPr>
-            <a:spLocks noGrp="1"/>
-          </p:cNvSpPr>
-          <p:nvPr>
-            <p:ph type="title"/>
-          </p:nvPr>
-        </p:nvSpPr>
-        <p:spPr/>
-        <p:txBody>
-          <a:bodyPr>
+          <p:cNvPr id="5" name="內容版面配置區 4"/>
+          <p:cNvSpPr>
+            <a:spLocks noGrp="1"/>
+          </p:cNvSpPr>
+          <p:nvPr>
+            <p:ph idx="1"/>
+          </p:nvPr>
+        </p:nvSpPr>
+        <p:spPr>
+          <a:xfrm>
+            <a:off x="0" y="1563638"/>
+            <a:ext cx="9144000" cy="1803647"/>
+          </a:xfrm>
+        </p:spPr>
+        <p:txBody>
+          <a:bodyPr anchor="ctr">
             <a:normAutofit/>
           </a:bodyPr>
           <a:lstStyle/>
           <a:p>
-            <a:r>
-              <a:rPr lang="zh-TW" altLang="en-US" sz="4000" b="1" dirty="0">
+            <a:pPr algn="ctr">
+              <a:buNone/>
+            </a:pPr>
+            <a:r>
+              <a:rPr lang="zh-TW" altLang="en-US" sz="4800" b="1" dirty="0">
                 <a:solidFill>
                   <a:srgbClr val="660033"/>
                 </a:solidFill>
                 <a:latin typeface="微軟正黑體" pitchFamily="34" charset="-120"/>
                 <a:ea typeface="微軟正黑體" pitchFamily="34" charset="-120"/>
               </a:rPr>
-              <a:t>何等恩典</a:t>
-            </a:r>
-          </a:p>
-        </p:txBody>
-      </p:sp>
-      <p:sp>
-        <p:nvSpPr>
-          <p:cNvPr id="5" name="內容版面配置區 4"/>
-          <p:cNvSpPr>
-            <a:spLocks noGrp="1"/>
-          </p:cNvSpPr>
-          <p:nvPr>
-            <p:ph idx="1"/>
-          </p:nvPr>
-        </p:nvSpPr>
-        <p:spPr>
-          <a:xfrm>
-            <a:off x="0" y="1200151"/>
-            <a:ext cx="9144000" cy="3394472"/>
-          </a:xfrm>
-        </p:spPr>
-        <p:txBody>
-          <a:bodyPr>
-            <a:noAutofit/>
-          </a:bodyPr>
-          <a:lstStyle/>
-          <a:p>
-            <a:pPr algn="ctr">
-              <a:buNone/>
-            </a:pPr>
-            <a:r>
-              <a:rPr lang="zh-CN" altLang="en-US" sz="4800" b="1" dirty="0">
-                <a:solidFill>
-                  <a:srgbClr val="660033"/>
-                </a:solidFill>
-                <a:latin typeface="微軟正黑體" pitchFamily="34" charset="-120"/>
-                <a:ea typeface="微軟正黑體" pitchFamily="34" charset="-120"/>
-              </a:rPr>
-              <a:t>袮</a:t>
-            </a:r>
-            <a:r>
-              <a:rPr lang="zh-TW" altLang="en-US" sz="4800" b="1" dirty="0" smtClean="0">
-                <a:solidFill>
-                  <a:srgbClr val="660033"/>
-                </a:solidFill>
-                <a:latin typeface="微軟正黑體" pitchFamily="34" charset="-120"/>
-                <a:ea typeface="微軟正黑體" pitchFamily="34" charset="-120"/>
-              </a:rPr>
-              <a:t>已</a:t>
-            </a:r>
-            <a:r>
-              <a:rPr lang="zh-TW" altLang="en-US" sz="4800" b="1" dirty="0">
-                <a:solidFill>
-                  <a:srgbClr val="660033"/>
-                </a:solidFill>
-                <a:latin typeface="微軟正黑體" pitchFamily="34" charset="-120"/>
-                <a:ea typeface="微軟正黑體" pitchFamily="34" charset="-120"/>
-              </a:rPr>
-              <a:t>挪去我所有枷鎖</a:t>
+              <a:t>以感恩的心  領受生命活水</a:t>
             </a:r>
             <a:endParaRPr lang="en-US" altLang="zh-TW" sz="4800" b="1" dirty="0">
               <a:solidFill>
@@ -3733,6 +3320,16 @@
               <a:buNone/>
             </a:pPr>
             <a:r>
+              <a:rPr lang="zh-TW" altLang="en-US" sz="4800" b="1" dirty="0">
+                <a:solidFill>
+                  <a:srgbClr val="660033"/>
+                </a:solidFill>
+                <a:latin typeface="微軟正黑體" pitchFamily="34" charset="-120"/>
+                <a:ea typeface="微軟正黑體" pitchFamily="34" charset="-120"/>
+              </a:rPr>
+              <a:t>從</a:t>
+            </a:r>
+            <a:r>
               <a:rPr lang="zh-CN" altLang="en-US" sz="4800" b="1" dirty="0">
                 <a:solidFill>
                   <a:srgbClr val="660033"/>
@@ -3743,15 +3340,80 @@
               <a:t>袮</a:t>
             </a:r>
             <a:r>
-              <a:rPr lang="zh-TW" altLang="en-US" sz="4800" b="1" dirty="0" smtClean="0">
+              <a:rPr lang="zh-TW" altLang="en-US" sz="4800" b="1" dirty="0">
                 <a:solidFill>
                   <a:srgbClr val="660033"/>
                 </a:solidFill>
                 <a:latin typeface="微軟正黑體" pitchFamily="34" charset="-120"/>
                 <a:ea typeface="微軟正黑體" pitchFamily="34" charset="-120"/>
               </a:rPr>
-              <a:t>已</a:t>
-            </a:r>
+              <a:t>而來的溫柔謙卑</a:t>
+            </a:r>
+            <a:endParaRPr lang="zh-TW" altLang="en-US" sz="4800" b="1" dirty="0">
+              <a:solidFill>
+                <a:srgbClr val="660033"/>
+              </a:solidFill>
+              <a:latin typeface="微軟正黑體" pitchFamily="34" charset="-120"/>
+              <a:ea typeface="微軟正黑體" pitchFamily="34" charset="-120"/>
+            </a:endParaRPr>
+          </a:p>
+        </p:txBody>
+      </p:sp>
+    </p:spTree>
+    <p:extLst>
+      <p:ext uri="{BB962C8B-B14F-4D97-AF65-F5344CB8AC3E}">
+        <p14:creationId xmlns:p14="http://schemas.microsoft.com/office/powerpoint/2010/main" val="1841311467"/>
+      </p:ext>
+    </p:extLst>
+  </p:cSld>
+  <p:clrMapOvr>
+    <a:masterClrMapping/>
+  </p:clrMapOvr>
+</p:sld>
+</file>
+
+<file path=ppt/slides/slide4.xml><?xml version="1.0" encoding="utf-8"?>
+<p:sld xmlns:a="http://schemas.openxmlformats.org/drawingml/2006/main" xmlns:r="http://schemas.openxmlformats.org/officeDocument/2006/relationships" xmlns:p="http://schemas.openxmlformats.org/presentationml/2006/main">
+  <p:cSld>
+    <p:spTree>
+      <p:nvGrpSpPr>
+        <p:cNvPr id="1" name=""/>
+        <p:cNvGrpSpPr/>
+        <p:nvPr/>
+      </p:nvGrpSpPr>
+      <p:grpSpPr>
+        <a:xfrm>
+          <a:off x="0" y="0"/>
+          <a:ext cx="0" cy="0"/>
+          <a:chOff x="0" y="0"/>
+          <a:chExt cx="0" cy="0"/>
+        </a:xfrm>
+      </p:grpSpPr>
+      <p:sp>
+        <p:nvSpPr>
+          <p:cNvPr id="5" name="內容版面配置區 4"/>
+          <p:cNvSpPr>
+            <a:spLocks noGrp="1"/>
+          </p:cNvSpPr>
+          <p:nvPr>
+            <p:ph idx="1"/>
+          </p:nvPr>
+        </p:nvSpPr>
+        <p:spPr>
+          <a:xfrm>
+            <a:off x="0" y="1563638"/>
+            <a:ext cx="9144000" cy="1803647"/>
+          </a:xfrm>
+        </p:spPr>
+        <p:txBody>
+          <a:bodyPr anchor="ctr">
+            <a:normAutofit/>
+          </a:bodyPr>
+          <a:lstStyle/>
+          <a:p>
+            <a:pPr algn="ctr">
+              <a:buNone/>
+            </a:pPr>
             <a:r>
               <a:rPr lang="zh-TW" altLang="en-US" sz="4800" b="1" dirty="0">
                 <a:solidFill>
@@ -3760,7 +3422,27 @@
                 <a:latin typeface="微軟正黑體" pitchFamily="34" charset="-120"/>
                 <a:ea typeface="微軟正黑體" pitchFamily="34" charset="-120"/>
               </a:rPr>
-              <a:t>挪去我所有重擔</a:t>
+              <a:t>何等恩典  </a:t>
+            </a:r>
+            <a:r>
+              <a:rPr lang="zh-CN" altLang="en-US" sz="4800" b="1" dirty="0">
+                <a:solidFill>
+                  <a:srgbClr val="660033"/>
+                </a:solidFill>
+                <a:latin typeface="微軟正黑體" pitchFamily="34" charset="-120"/>
+                <a:ea typeface="微軟正黑體" pitchFamily="34" charset="-120"/>
+              </a:rPr>
+              <a:t>袮</a:t>
+            </a:r>
+            <a:r>
+              <a:rPr lang="zh-TW" altLang="en-US" sz="4800" b="1" dirty="0">
+                <a:solidFill>
+                  <a:srgbClr val="660033"/>
+                </a:solidFill>
+                <a:latin typeface="微軟正黑體" pitchFamily="34" charset="-120"/>
+                <a:ea typeface="微軟正黑體" pitchFamily="34" charset="-120"/>
+              </a:rPr>
+              <a:t>竟然在乎我</a:t>
             </a:r>
             <a:endParaRPr lang="en-US" altLang="zh-TW" sz="4800" b="1" dirty="0">
               <a:solidFill>
@@ -3775,6 +3457,16 @@
               <a:buNone/>
             </a:pPr>
             <a:r>
+              <a:rPr lang="zh-TW" altLang="en-US" sz="4800" b="1" dirty="0">
+                <a:solidFill>
+                  <a:srgbClr val="660033"/>
+                </a:solidFill>
+                <a:latin typeface="微軟正黑體" pitchFamily="34" charset="-120"/>
+                <a:ea typeface="微軟正黑體" pitchFamily="34" charset="-120"/>
+              </a:rPr>
+              <a:t>何等恩典  </a:t>
+            </a:r>
+            <a:r>
               <a:rPr lang="zh-CN" altLang="en-US" sz="4800" b="1" dirty="0">
                 <a:solidFill>
                   <a:srgbClr val="660033"/>
@@ -3785,24 +3477,14 @@
               <a:t>袮</a:t>
             </a:r>
             <a:r>
-              <a:rPr lang="zh-TW" altLang="en-US" sz="4800" b="1" dirty="0" smtClean="0">
+              <a:rPr lang="zh-TW" altLang="en-US" sz="4800" b="1" dirty="0">
                 <a:solidFill>
                   <a:srgbClr val="660033"/>
                 </a:solidFill>
                 <a:latin typeface="微軟正黑體" pitchFamily="34" charset="-120"/>
                 <a:ea typeface="微軟正黑體" pitchFamily="34" charset="-120"/>
               </a:rPr>
-              <a:t>已</a:t>
-            </a:r>
-            <a:r>
-              <a:rPr lang="zh-TW" altLang="en-US" sz="4800" b="1" dirty="0">
-                <a:solidFill>
-                  <a:srgbClr val="660033"/>
-                </a:solidFill>
-                <a:latin typeface="微軟正黑體" pitchFamily="34" charset="-120"/>
-                <a:ea typeface="微軟正黑體" pitchFamily="34" charset="-120"/>
-              </a:rPr>
-              <a:t>挪去我所有傷悲</a:t>
+              <a:t>寶血為我流</a:t>
             </a:r>
             <a:endParaRPr lang="en-US" altLang="zh-TW" sz="4800" b="1" dirty="0">
               <a:solidFill>
@@ -3812,10 +3494,73 @@
               <a:ea typeface="微軟正黑體" pitchFamily="34" charset="-120"/>
             </a:endParaRPr>
           </a:p>
+        </p:txBody>
+      </p:sp>
+    </p:spTree>
+    <p:extLst>
+      <p:ext uri="{BB962C8B-B14F-4D97-AF65-F5344CB8AC3E}">
+        <p14:creationId xmlns:p14="http://schemas.microsoft.com/office/powerpoint/2010/main" val="4034918771"/>
+      </p:ext>
+    </p:extLst>
+  </p:cSld>
+  <p:clrMapOvr>
+    <a:masterClrMapping/>
+  </p:clrMapOvr>
+</p:sld>
+</file>
+
+<file path=ppt/slides/slide5.xml><?xml version="1.0" encoding="utf-8"?>
+<p:sld xmlns:a="http://schemas.openxmlformats.org/drawingml/2006/main" xmlns:r="http://schemas.openxmlformats.org/officeDocument/2006/relationships" xmlns:p="http://schemas.openxmlformats.org/presentationml/2006/main">
+  <p:cSld>
+    <p:spTree>
+      <p:nvGrpSpPr>
+        <p:cNvPr id="1" name=""/>
+        <p:cNvGrpSpPr/>
+        <p:nvPr/>
+      </p:nvGrpSpPr>
+      <p:grpSpPr>
+        <a:xfrm>
+          <a:off x="0" y="0"/>
+          <a:ext cx="0" cy="0"/>
+          <a:chOff x="0" y="0"/>
+          <a:chExt cx="0" cy="0"/>
+        </a:xfrm>
+      </p:grpSpPr>
+      <p:sp>
+        <p:nvSpPr>
+          <p:cNvPr id="5" name="內容版面配置區 4"/>
+          <p:cNvSpPr>
+            <a:spLocks noGrp="1"/>
+          </p:cNvSpPr>
+          <p:nvPr>
+            <p:ph idx="1"/>
+          </p:nvPr>
+        </p:nvSpPr>
+        <p:spPr>
+          <a:xfrm>
+            <a:off x="0" y="1563638"/>
+            <a:ext cx="9144000" cy="1803647"/>
+          </a:xfrm>
+        </p:spPr>
+        <p:txBody>
+          <a:bodyPr anchor="ctr">
+            <a:normAutofit/>
+          </a:bodyPr>
+          <a:lstStyle/>
           <a:p>
             <a:pPr algn="ctr">
               <a:buNone/>
             </a:pPr>
+            <a:r>
+              <a:rPr lang="zh-TW" altLang="en-US" sz="4800" b="1" dirty="0">
+                <a:solidFill>
+                  <a:srgbClr val="660033"/>
+                </a:solidFill>
+                <a:latin typeface="微軟正黑體" pitchFamily="34" charset="-120"/>
+                <a:ea typeface="微軟正黑體" pitchFamily="34" charset="-120"/>
+              </a:rPr>
+              <a:t>何等恩典  </a:t>
+            </a:r>
             <a:r>
               <a:rPr lang="zh-CN" altLang="en-US" sz="4800" b="1" dirty="0">
                 <a:solidFill>
@@ -3827,15 +3572,27 @@
               <a:t>袮</a:t>
             </a:r>
             <a:r>
-              <a:rPr lang="zh-TW" altLang="en-US" sz="4800" b="1" dirty="0" smtClean="0">
+              <a:rPr lang="zh-TW" altLang="en-US" sz="4800" b="1" dirty="0">
                 <a:solidFill>
                   <a:srgbClr val="660033"/>
                 </a:solidFill>
                 <a:latin typeface="微軟正黑體" pitchFamily="34" charset="-120"/>
                 <a:ea typeface="微軟正黑體" pitchFamily="34" charset="-120"/>
               </a:rPr>
-              <a:t>的</a:t>
-            </a:r>
+              <a:t>以尊貴榮耀</a:t>
+            </a:r>
+            <a:endParaRPr lang="en-US" altLang="zh-TW" sz="4800" b="1" dirty="0">
+              <a:solidFill>
+                <a:srgbClr val="660033"/>
+              </a:solidFill>
+              <a:latin typeface="微軟正黑體" pitchFamily="34" charset="-120"/>
+              <a:ea typeface="微軟正黑體" pitchFamily="34" charset="-120"/>
+            </a:endParaRPr>
+          </a:p>
+          <a:p>
+            <a:pPr algn="ctr">
+              <a:buNone/>
+            </a:pPr>
             <a:r>
               <a:rPr lang="zh-TW" altLang="en-US" sz="4800" b="1" dirty="0">
                 <a:solidFill>
@@ -3844,12 +3601,258 @@
                 <a:latin typeface="微軟正黑體" pitchFamily="34" charset="-120"/>
                 <a:ea typeface="微軟正黑體" pitchFamily="34" charset="-120"/>
               </a:rPr>
-              <a:t>名配得所有頌讚</a:t>
-            </a:r>
+              <a:t>為我冠冕  我的嘴必充滿讚美</a:t>
+            </a:r>
+            <a:endParaRPr lang="zh-TW" altLang="en-US" sz="4800" b="1" dirty="0">
+              <a:solidFill>
+                <a:srgbClr val="660033"/>
+              </a:solidFill>
+              <a:latin typeface="微軟正黑體" pitchFamily="34" charset="-120"/>
+              <a:ea typeface="微軟正黑體" pitchFamily="34" charset="-120"/>
+            </a:endParaRPr>
           </a:p>
         </p:txBody>
       </p:sp>
     </p:spTree>
+    <p:extLst>
+      <p:ext uri="{BB962C8B-B14F-4D97-AF65-F5344CB8AC3E}">
+        <p14:creationId xmlns:p14="http://schemas.microsoft.com/office/powerpoint/2010/main" val="3537783911"/>
+      </p:ext>
+    </p:extLst>
+  </p:cSld>
+  <p:clrMapOvr>
+    <a:masterClrMapping/>
+  </p:clrMapOvr>
+</p:sld>
+</file>
+
+<file path=ppt/slides/slide6.xml><?xml version="1.0" encoding="utf-8"?>
+<p:sld xmlns:a="http://schemas.openxmlformats.org/drawingml/2006/main" xmlns:r="http://schemas.openxmlformats.org/officeDocument/2006/relationships" xmlns:p="http://schemas.openxmlformats.org/presentationml/2006/main">
+  <p:cSld>
+    <p:spTree>
+      <p:nvGrpSpPr>
+        <p:cNvPr id="1" name=""/>
+        <p:cNvGrpSpPr/>
+        <p:nvPr/>
+      </p:nvGrpSpPr>
+      <p:grpSpPr>
+        <a:xfrm>
+          <a:off x="0" y="0"/>
+          <a:ext cx="0" cy="0"/>
+          <a:chOff x="0" y="0"/>
+          <a:chExt cx="0" cy="0"/>
+        </a:xfrm>
+      </p:grpSpPr>
+      <p:sp>
+        <p:nvSpPr>
+          <p:cNvPr id="5" name="內容版面配置區 4"/>
+          <p:cNvSpPr>
+            <a:spLocks noGrp="1"/>
+          </p:cNvSpPr>
+          <p:nvPr>
+            <p:ph idx="1"/>
+          </p:nvPr>
+        </p:nvSpPr>
+        <p:spPr>
+          <a:xfrm>
+            <a:off x="0" y="1563638"/>
+            <a:ext cx="9144000" cy="1803647"/>
+          </a:xfrm>
+        </p:spPr>
+        <p:txBody>
+          <a:bodyPr anchor="ctr">
+            <a:normAutofit/>
+          </a:bodyPr>
+          <a:lstStyle/>
+          <a:p>
+            <a:pPr algn="ctr">
+              <a:buNone/>
+            </a:pPr>
+            <a:r>
+              <a:rPr lang="zh-CN" altLang="en-US" sz="4800" b="1" dirty="0">
+                <a:solidFill>
+                  <a:srgbClr val="660033"/>
+                </a:solidFill>
+                <a:latin typeface="微軟正黑體" pitchFamily="34" charset="-120"/>
+                <a:ea typeface="微軟正黑體" pitchFamily="34" charset="-120"/>
+              </a:rPr>
+              <a:t>袮</a:t>
+            </a:r>
+            <a:r>
+              <a:rPr lang="zh-TW" altLang="en-US" sz="4800" b="1" dirty="0">
+                <a:solidFill>
+                  <a:srgbClr val="660033"/>
+                </a:solidFill>
+                <a:latin typeface="微軟正黑體" pitchFamily="34" charset="-120"/>
+                <a:ea typeface="微軟正黑體" pitchFamily="34" charset="-120"/>
+              </a:rPr>
+              <a:t>已挪去我所有枷鎖</a:t>
+            </a:r>
+            <a:endParaRPr lang="en-US" altLang="zh-TW" sz="4800" b="1" dirty="0">
+              <a:solidFill>
+                <a:srgbClr val="660033"/>
+              </a:solidFill>
+              <a:latin typeface="微軟正黑體" pitchFamily="34" charset="-120"/>
+              <a:ea typeface="微軟正黑體" pitchFamily="34" charset="-120"/>
+            </a:endParaRPr>
+          </a:p>
+          <a:p>
+            <a:pPr algn="ctr">
+              <a:buNone/>
+            </a:pPr>
+            <a:r>
+              <a:rPr lang="zh-CN" altLang="en-US" sz="4800" b="1" dirty="0">
+                <a:solidFill>
+                  <a:srgbClr val="660033"/>
+                </a:solidFill>
+                <a:latin typeface="微軟正黑體" pitchFamily="34" charset="-120"/>
+                <a:ea typeface="微軟正黑體" pitchFamily="34" charset="-120"/>
+              </a:rPr>
+              <a:t>袮</a:t>
+            </a:r>
+            <a:r>
+              <a:rPr lang="zh-TW" altLang="en-US" sz="4800" b="1" dirty="0">
+                <a:solidFill>
+                  <a:srgbClr val="660033"/>
+                </a:solidFill>
+                <a:latin typeface="微軟正黑體" pitchFamily="34" charset="-120"/>
+                <a:ea typeface="微軟正黑體" pitchFamily="34" charset="-120"/>
+              </a:rPr>
+              <a:t>已挪去我所有重擔</a:t>
+            </a:r>
+            <a:endParaRPr lang="en-US" altLang="zh-TW" sz="4800" b="1" dirty="0">
+              <a:solidFill>
+                <a:srgbClr val="660033"/>
+              </a:solidFill>
+              <a:latin typeface="微軟正黑體" pitchFamily="34" charset="-120"/>
+              <a:ea typeface="微軟正黑體" pitchFamily="34" charset="-120"/>
+            </a:endParaRPr>
+          </a:p>
+        </p:txBody>
+      </p:sp>
+    </p:spTree>
+    <p:extLst>
+      <p:ext uri="{BB962C8B-B14F-4D97-AF65-F5344CB8AC3E}">
+        <p14:creationId xmlns:p14="http://schemas.microsoft.com/office/powerpoint/2010/main" val="3633750224"/>
+      </p:ext>
+    </p:extLst>
+  </p:cSld>
+  <p:clrMapOvr>
+    <a:masterClrMapping/>
+  </p:clrMapOvr>
+</p:sld>
+</file>
+
+<file path=ppt/slides/slide7.xml><?xml version="1.0" encoding="utf-8"?>
+<p:sld xmlns:a="http://schemas.openxmlformats.org/drawingml/2006/main" xmlns:r="http://schemas.openxmlformats.org/officeDocument/2006/relationships" xmlns:p="http://schemas.openxmlformats.org/presentationml/2006/main">
+  <p:cSld>
+    <p:spTree>
+      <p:nvGrpSpPr>
+        <p:cNvPr id="1" name=""/>
+        <p:cNvGrpSpPr/>
+        <p:nvPr/>
+      </p:nvGrpSpPr>
+      <p:grpSpPr>
+        <a:xfrm>
+          <a:off x="0" y="0"/>
+          <a:ext cx="0" cy="0"/>
+          <a:chOff x="0" y="0"/>
+          <a:chExt cx="0" cy="0"/>
+        </a:xfrm>
+      </p:grpSpPr>
+      <p:sp>
+        <p:nvSpPr>
+          <p:cNvPr id="5" name="內容版面配置區 4"/>
+          <p:cNvSpPr>
+            <a:spLocks noGrp="1"/>
+          </p:cNvSpPr>
+          <p:nvPr>
+            <p:ph idx="1"/>
+          </p:nvPr>
+        </p:nvSpPr>
+        <p:spPr>
+          <a:xfrm>
+            <a:off x="0" y="1563638"/>
+            <a:ext cx="9144000" cy="1803647"/>
+          </a:xfrm>
+        </p:spPr>
+        <p:txBody>
+          <a:bodyPr anchor="ctr">
+            <a:normAutofit/>
+          </a:bodyPr>
+          <a:lstStyle/>
+          <a:p>
+            <a:pPr algn="ctr">
+              <a:buNone/>
+            </a:pPr>
+            <a:r>
+              <a:rPr lang="zh-CN" altLang="en-US" sz="4800" b="1" dirty="0">
+                <a:solidFill>
+                  <a:srgbClr val="660033"/>
+                </a:solidFill>
+                <a:latin typeface="微軟正黑體" pitchFamily="34" charset="-120"/>
+                <a:ea typeface="微軟正黑體" pitchFamily="34" charset="-120"/>
+              </a:rPr>
+              <a:t>袮</a:t>
+            </a:r>
+            <a:r>
+              <a:rPr lang="zh-TW" altLang="en-US" sz="4800" b="1" dirty="0">
+                <a:solidFill>
+                  <a:srgbClr val="660033"/>
+                </a:solidFill>
+                <a:latin typeface="微軟正黑體" pitchFamily="34" charset="-120"/>
+                <a:ea typeface="微軟正黑體" pitchFamily="34" charset="-120"/>
+              </a:rPr>
+              <a:t>已挪去我所有傷悲</a:t>
+            </a:r>
+            <a:endParaRPr lang="en-US" altLang="zh-TW" sz="4800" b="1" dirty="0">
+              <a:solidFill>
+                <a:srgbClr val="660033"/>
+              </a:solidFill>
+              <a:latin typeface="微軟正黑體" pitchFamily="34" charset="-120"/>
+              <a:ea typeface="微軟正黑體" pitchFamily="34" charset="-120"/>
+            </a:endParaRPr>
+          </a:p>
+          <a:p>
+            <a:pPr algn="ctr">
+              <a:buNone/>
+            </a:pPr>
+            <a:r>
+              <a:rPr lang="zh-CN" altLang="en-US" sz="4800" b="1" dirty="0">
+                <a:solidFill>
+                  <a:srgbClr val="660033"/>
+                </a:solidFill>
+                <a:latin typeface="微軟正黑體" pitchFamily="34" charset="-120"/>
+                <a:ea typeface="微軟正黑體" pitchFamily="34" charset="-120"/>
+              </a:rPr>
+              <a:t>袮</a:t>
+            </a:r>
+            <a:r>
+              <a:rPr lang="zh-TW" altLang="en-US" sz="4800" b="1" dirty="0">
+                <a:solidFill>
+                  <a:srgbClr val="660033"/>
+                </a:solidFill>
+                <a:latin typeface="微軟正黑體" pitchFamily="34" charset="-120"/>
+                <a:ea typeface="微軟正黑體" pitchFamily="34" charset="-120"/>
+              </a:rPr>
+              <a:t>的名配得所有頌讚</a:t>
+            </a:r>
+            <a:endParaRPr lang="zh-TW" altLang="en-US" sz="4800" b="1" dirty="0">
+              <a:solidFill>
+                <a:srgbClr val="660033"/>
+              </a:solidFill>
+              <a:latin typeface="微軟正黑體" pitchFamily="34" charset="-120"/>
+              <a:ea typeface="微軟正黑體" pitchFamily="34" charset="-120"/>
+            </a:endParaRPr>
+          </a:p>
+        </p:txBody>
+      </p:sp>
+    </p:spTree>
+    <p:extLst>
+      <p:ext uri="{BB962C8B-B14F-4D97-AF65-F5344CB8AC3E}">
+        <p14:creationId xmlns:p14="http://schemas.microsoft.com/office/powerpoint/2010/main" val="2216484342"/>
+      </p:ext>
+    </p:extLst>
   </p:cSld>
   <p:clrMapOvr>
     <a:masterClrMapping/>

--- a/何等恩典(崇拜版).pptx
+++ b/何等恩典(崇拜版).pptx
@@ -310,7 +310,7 @@
           <a:p>
             <a:fld id="{304EAD91-56F9-4EB2-AFAA-94188B17C6C2}" type="datetimeFigureOut">
               <a:rPr lang="zh-TW" altLang="en-US" smtClean="0"/>
-              <a:t>2020/11/28</a:t>
+              <a:t>2021/11/19</a:t>
             </a:fld>
             <a:endParaRPr lang="zh-TW" altLang="en-US"/>
           </a:p>
@@ -475,7 +475,7 @@
           <a:p>
             <a:fld id="{304EAD91-56F9-4EB2-AFAA-94188B17C6C2}" type="datetimeFigureOut">
               <a:rPr lang="zh-TW" altLang="en-US" smtClean="0"/>
-              <a:t>2020/11/28</a:t>
+              <a:t>2021/11/19</a:t>
             </a:fld>
             <a:endParaRPr lang="zh-TW" altLang="en-US"/>
           </a:p>
@@ -650,7 +650,7 @@
           <a:p>
             <a:fld id="{304EAD91-56F9-4EB2-AFAA-94188B17C6C2}" type="datetimeFigureOut">
               <a:rPr lang="zh-TW" altLang="en-US" smtClean="0"/>
-              <a:t>2020/11/28</a:t>
+              <a:t>2021/11/19</a:t>
             </a:fld>
             <a:endParaRPr lang="zh-TW" altLang="en-US"/>
           </a:p>
@@ -815,7 +815,7 @@
           <a:p>
             <a:fld id="{304EAD91-56F9-4EB2-AFAA-94188B17C6C2}" type="datetimeFigureOut">
               <a:rPr lang="zh-TW" altLang="en-US" smtClean="0"/>
-              <a:t>2020/11/28</a:t>
+              <a:t>2021/11/19</a:t>
             </a:fld>
             <a:endParaRPr lang="zh-TW" altLang="en-US"/>
           </a:p>
@@ -1056,7 +1056,7 @@
           <a:p>
             <a:fld id="{304EAD91-56F9-4EB2-AFAA-94188B17C6C2}" type="datetimeFigureOut">
               <a:rPr lang="zh-TW" altLang="en-US" smtClean="0"/>
-              <a:t>2020/11/28</a:t>
+              <a:t>2021/11/19</a:t>
             </a:fld>
             <a:endParaRPr lang="zh-TW" altLang="en-US"/>
           </a:p>
@@ -1339,7 +1339,7 @@
           <a:p>
             <a:fld id="{304EAD91-56F9-4EB2-AFAA-94188B17C6C2}" type="datetimeFigureOut">
               <a:rPr lang="zh-TW" altLang="en-US" smtClean="0"/>
-              <a:t>2020/11/28</a:t>
+              <a:t>2021/11/19</a:t>
             </a:fld>
             <a:endParaRPr lang="zh-TW" altLang="en-US"/>
           </a:p>
@@ -1756,7 +1756,7 @@
           <a:p>
             <a:fld id="{304EAD91-56F9-4EB2-AFAA-94188B17C6C2}" type="datetimeFigureOut">
               <a:rPr lang="zh-TW" altLang="en-US" smtClean="0"/>
-              <a:t>2020/11/28</a:t>
+              <a:t>2021/11/19</a:t>
             </a:fld>
             <a:endParaRPr lang="zh-TW" altLang="en-US"/>
           </a:p>
@@ -1869,7 +1869,7 @@
           <a:p>
             <a:fld id="{304EAD91-56F9-4EB2-AFAA-94188B17C6C2}" type="datetimeFigureOut">
               <a:rPr lang="zh-TW" altLang="en-US" smtClean="0"/>
-              <a:t>2020/11/28</a:t>
+              <a:t>2021/11/19</a:t>
             </a:fld>
             <a:endParaRPr lang="zh-TW" altLang="en-US"/>
           </a:p>
@@ -1959,7 +1959,7 @@
           <a:p>
             <a:fld id="{304EAD91-56F9-4EB2-AFAA-94188B17C6C2}" type="datetimeFigureOut">
               <a:rPr lang="zh-TW" altLang="en-US" smtClean="0"/>
-              <a:t>2020/11/28</a:t>
+              <a:t>2021/11/19</a:t>
             </a:fld>
             <a:endParaRPr lang="zh-TW" altLang="en-US"/>
           </a:p>
@@ -2231,7 +2231,7 @@
           <a:p>
             <a:fld id="{304EAD91-56F9-4EB2-AFAA-94188B17C6C2}" type="datetimeFigureOut">
               <a:rPr lang="zh-TW" altLang="en-US" smtClean="0"/>
-              <a:t>2020/11/28</a:t>
+              <a:t>2021/11/19</a:t>
             </a:fld>
             <a:endParaRPr lang="zh-TW" altLang="en-US"/>
           </a:p>
@@ -2483,7 +2483,7 @@
           <a:p>
             <a:fld id="{304EAD91-56F9-4EB2-AFAA-94188B17C6C2}" type="datetimeFigureOut">
               <a:rPr lang="zh-TW" altLang="en-US" smtClean="0"/>
-              <a:t>2020/11/28</a:t>
+              <a:t>2021/11/19</a:t>
             </a:fld>
             <a:endParaRPr lang="zh-TW" altLang="en-US"/>
           </a:p>
@@ -2696,7 +2696,7 @@
           <a:p>
             <a:fld id="{304EAD91-56F9-4EB2-AFAA-94188B17C6C2}" type="datetimeFigureOut">
               <a:rPr lang="zh-TW" altLang="en-US" smtClean="0"/>
-              <a:t>2020/11/28</a:t>
+              <a:t>2021/11/19</a:t>
             </a:fld>
             <a:endParaRPr lang="zh-TW" altLang="en-US"/>
           </a:p>
@@ -3242,6 +3242,84 @@
           </a:p>
         </p:txBody>
       </p:sp>
+      <p:sp>
+        <p:nvSpPr>
+          <p:cNvPr id="3" name="TextBox 2"/>
+          <p:cNvSpPr txBox="1"/>
+          <p:nvPr/>
+        </p:nvSpPr>
+        <p:spPr>
+          <a:xfrm>
+            <a:off x="0" y="3939902"/>
+            <a:ext cx="9144000" cy="646331"/>
+          </a:xfrm>
+          <a:prstGeom prst="rect">
+            <a:avLst/>
+          </a:prstGeom>
+          <a:noFill/>
+        </p:spPr>
+        <p:txBody>
+          <a:bodyPr wrap="square" rtlCol="0" anchor="ctr">
+            <a:spAutoFit/>
+          </a:bodyPr>
+          <a:lstStyle/>
+          <a:p>
+            <a:pPr algn="ctr"/>
+            <a:r>
+              <a:rPr lang="en-US" sz="3600" b="1" dirty="0">
+                <a:solidFill>
+                  <a:srgbClr val="660033"/>
+                </a:solidFill>
+                <a:effectLst/>
+                <a:latin typeface="Microsoft JhengHei" panose="020B0604030504040204" pitchFamily="34" charset="-120"/>
+                <a:ea typeface="Microsoft JhengHei" panose="020B0604030504040204" pitchFamily="34" charset="-120"/>
+              </a:rPr>
+              <a:t>( </a:t>
+            </a:r>
+            <a:r>
+              <a:rPr lang="zh-CN" altLang="en-US" sz="3600" b="1" dirty="0" smtClean="0">
+                <a:solidFill>
+                  <a:srgbClr val="660033"/>
+                </a:solidFill>
+                <a:effectLst/>
+                <a:latin typeface="Microsoft JhengHei" panose="020B0604030504040204" pitchFamily="34" charset="-120"/>
+                <a:ea typeface="Microsoft JhengHei" panose="020B0604030504040204" pitchFamily="34" charset="-120"/>
+              </a:rPr>
+              <a:t>正</a:t>
+            </a:r>
+            <a:r>
+              <a:rPr lang="en-US" sz="3600" b="1" dirty="0" smtClean="0">
+                <a:solidFill>
+                  <a:srgbClr val="660033"/>
+                </a:solidFill>
+                <a:effectLst/>
+                <a:latin typeface="Microsoft JhengHei" panose="020B0604030504040204" pitchFamily="34" charset="-120"/>
+                <a:ea typeface="Microsoft JhengHei" panose="020B0604030504040204" pitchFamily="34" charset="-120"/>
+              </a:rPr>
+              <a:t> </a:t>
+            </a:r>
+            <a:r>
+              <a:rPr lang="en-US" sz="3600" b="1" dirty="0">
+                <a:solidFill>
+                  <a:srgbClr val="660033"/>
+                </a:solidFill>
+                <a:effectLst/>
+                <a:latin typeface="Microsoft JhengHei" panose="020B0604030504040204" pitchFamily="34" charset="-120"/>
+                <a:ea typeface="Microsoft JhengHei" panose="020B0604030504040204" pitchFamily="34" charset="-120"/>
+              </a:rPr>
+              <a:t>)</a:t>
+            </a:r>
+            <a:endParaRPr lang="vi-VN" sz="3600" b="1" dirty="0">
+              <a:solidFill>
+                <a:srgbClr val="660033"/>
+              </a:solidFill>
+              <a:effectLst/>
+              <a:latin typeface="Microsoft JhengHei" panose="020B0604030504040204" pitchFamily="34" charset="-120"/>
+              <a:ea typeface="Microsoft JhengHei" panose="020B0604030504040204" pitchFamily="34" charset="-120"/>
+            </a:endParaRPr>
+          </a:p>
+        </p:txBody>
+      </p:sp>
     </p:spTree>
     <p:extLst>
       <p:ext uri="{BB962C8B-B14F-4D97-AF65-F5344CB8AC3E}">
@@ -3349,12 +3427,83 @@
               </a:rPr>
               <a:t>而來的溫柔謙卑</a:t>
             </a:r>
-            <a:endParaRPr lang="zh-TW" altLang="en-US" sz="4800" b="1" dirty="0">
+          </a:p>
+        </p:txBody>
+      </p:sp>
+      <p:sp>
+        <p:nvSpPr>
+          <p:cNvPr id="3" name="TextBox 2"/>
+          <p:cNvSpPr txBox="1"/>
+          <p:nvPr/>
+        </p:nvSpPr>
+        <p:spPr>
+          <a:xfrm>
+            <a:off x="0" y="3939902"/>
+            <a:ext cx="9144000" cy="646331"/>
+          </a:xfrm>
+          <a:prstGeom prst="rect">
+            <a:avLst/>
+          </a:prstGeom>
+          <a:noFill/>
+        </p:spPr>
+        <p:txBody>
+          <a:bodyPr wrap="square" rtlCol="0" anchor="ctr">
+            <a:spAutoFit/>
+          </a:bodyPr>
+          <a:lstStyle/>
+          <a:p>
+            <a:pPr algn="ctr"/>
+            <a:r>
+              <a:rPr lang="en-US" sz="3600" b="1" dirty="0">
+                <a:solidFill>
+                  <a:srgbClr val="660033"/>
+                </a:solidFill>
+                <a:effectLst/>
+                <a:latin typeface="Microsoft JhengHei" panose="020B0604030504040204" pitchFamily="34" charset="-120"/>
+                <a:ea typeface="Microsoft JhengHei" panose="020B0604030504040204" pitchFamily="34" charset="-120"/>
+              </a:rPr>
+              <a:t>( </a:t>
+            </a:r>
+            <a:r>
+              <a:rPr lang="zh-CN" altLang="en-US" sz="3600" b="1" dirty="0" smtClean="0">
+                <a:solidFill>
+                  <a:srgbClr val="660033"/>
+                </a:solidFill>
+                <a:effectLst/>
+                <a:latin typeface="Microsoft JhengHei" panose="020B0604030504040204" pitchFamily="34" charset="-120"/>
+                <a:ea typeface="Microsoft JhengHei" panose="020B0604030504040204" pitchFamily="34" charset="-120"/>
+              </a:rPr>
+              <a:t>正</a:t>
+            </a:r>
+            <a:r>
+              <a:rPr lang="en-US" sz="3600" b="1" dirty="0" smtClean="0">
+                <a:solidFill>
+                  <a:srgbClr val="660033"/>
+                </a:solidFill>
+                <a:effectLst/>
+                <a:latin typeface="Microsoft JhengHei" panose="020B0604030504040204" pitchFamily="34" charset="-120"/>
+                <a:ea typeface="Microsoft JhengHei" panose="020B0604030504040204" pitchFamily="34" charset="-120"/>
+              </a:rPr>
+              <a:t> </a:t>
+            </a:r>
+            <a:r>
+              <a:rPr lang="en-US" sz="3600" b="1" dirty="0">
+                <a:solidFill>
+                  <a:srgbClr val="660033"/>
+                </a:solidFill>
+                <a:effectLst/>
+                <a:latin typeface="Microsoft JhengHei" panose="020B0604030504040204" pitchFamily="34" charset="-120"/>
+                <a:ea typeface="Microsoft JhengHei" panose="020B0604030504040204" pitchFamily="34" charset="-120"/>
+              </a:rPr>
+              <a:t>)</a:t>
+            </a:r>
+            <a:endParaRPr lang="vi-VN" sz="3600" b="1" dirty="0">
               <a:solidFill>
                 <a:srgbClr val="660033"/>
               </a:solidFill>
-              <a:latin typeface="微軟正黑體" pitchFamily="34" charset="-120"/>
-              <a:ea typeface="微軟正黑體" pitchFamily="34" charset="-120"/>
+              <a:effectLst/>
+              <a:latin typeface="Microsoft JhengHei" panose="020B0604030504040204" pitchFamily="34" charset="-120"/>
+              <a:ea typeface="Microsoft JhengHei" panose="020B0604030504040204" pitchFamily="34" charset="-120"/>
             </a:endParaRPr>
           </a:p>
         </p:txBody>
@@ -3496,6 +3645,84 @@
           </a:p>
         </p:txBody>
       </p:sp>
+      <p:sp>
+        <p:nvSpPr>
+          <p:cNvPr id="3" name="TextBox 2"/>
+          <p:cNvSpPr txBox="1"/>
+          <p:nvPr/>
+        </p:nvSpPr>
+        <p:spPr>
+          <a:xfrm>
+            <a:off x="0" y="3939902"/>
+            <a:ext cx="9144000" cy="646331"/>
+          </a:xfrm>
+          <a:prstGeom prst="rect">
+            <a:avLst/>
+          </a:prstGeom>
+          <a:noFill/>
+        </p:spPr>
+        <p:txBody>
+          <a:bodyPr wrap="square" rtlCol="0" anchor="ctr">
+            <a:spAutoFit/>
+          </a:bodyPr>
+          <a:lstStyle/>
+          <a:p>
+            <a:pPr algn="ctr"/>
+            <a:r>
+              <a:rPr lang="en-US" sz="3600" b="1" dirty="0">
+                <a:solidFill>
+                  <a:srgbClr val="660033"/>
+                </a:solidFill>
+                <a:effectLst/>
+                <a:latin typeface="Microsoft JhengHei" panose="020B0604030504040204" pitchFamily="34" charset="-120"/>
+                <a:ea typeface="Microsoft JhengHei" panose="020B0604030504040204" pitchFamily="34" charset="-120"/>
+              </a:rPr>
+              <a:t>( </a:t>
+            </a:r>
+            <a:r>
+              <a:rPr lang="zh-CN" altLang="en-US" sz="3600" b="1" dirty="0">
+                <a:solidFill>
+                  <a:srgbClr val="660033"/>
+                </a:solidFill>
+                <a:effectLst/>
+                <a:latin typeface="Microsoft JhengHei" panose="020B0604030504040204" pitchFamily="34" charset="-120"/>
+                <a:ea typeface="Microsoft JhengHei" panose="020B0604030504040204" pitchFamily="34" charset="-120"/>
+              </a:rPr>
+              <a:t>副</a:t>
+            </a:r>
+            <a:r>
+              <a:rPr lang="en-US" sz="3600" b="1" dirty="0" smtClean="0">
+                <a:solidFill>
+                  <a:srgbClr val="660033"/>
+                </a:solidFill>
+                <a:effectLst/>
+                <a:latin typeface="Microsoft JhengHei" panose="020B0604030504040204" pitchFamily="34" charset="-120"/>
+                <a:ea typeface="Microsoft JhengHei" panose="020B0604030504040204" pitchFamily="34" charset="-120"/>
+              </a:rPr>
+              <a:t> </a:t>
+            </a:r>
+            <a:r>
+              <a:rPr lang="en-US" sz="3600" b="1" dirty="0">
+                <a:solidFill>
+                  <a:srgbClr val="660033"/>
+                </a:solidFill>
+                <a:effectLst/>
+                <a:latin typeface="Microsoft JhengHei" panose="020B0604030504040204" pitchFamily="34" charset="-120"/>
+                <a:ea typeface="Microsoft JhengHei" panose="020B0604030504040204" pitchFamily="34" charset="-120"/>
+              </a:rPr>
+              <a:t>)</a:t>
+            </a:r>
+            <a:endParaRPr lang="vi-VN" sz="3600" b="1" dirty="0">
+              <a:solidFill>
+                <a:srgbClr val="660033"/>
+              </a:solidFill>
+              <a:effectLst/>
+              <a:latin typeface="Microsoft JhengHei" panose="020B0604030504040204" pitchFamily="34" charset="-120"/>
+              <a:ea typeface="Microsoft JhengHei" panose="020B0604030504040204" pitchFamily="34" charset="-120"/>
+            </a:endParaRPr>
+          </a:p>
+        </p:txBody>
+      </p:sp>
     </p:spTree>
     <p:extLst>
       <p:ext uri="{BB962C8B-B14F-4D97-AF65-F5344CB8AC3E}">
@@ -3603,12 +3830,83 @@
               </a:rPr>
               <a:t>為我冠冕  我的嘴必充滿讚美</a:t>
             </a:r>
-            <a:endParaRPr lang="zh-TW" altLang="en-US" sz="4800" b="1" dirty="0">
+          </a:p>
+        </p:txBody>
+      </p:sp>
+      <p:sp>
+        <p:nvSpPr>
+          <p:cNvPr id="3" name="TextBox 2"/>
+          <p:cNvSpPr txBox="1"/>
+          <p:nvPr/>
+        </p:nvSpPr>
+        <p:spPr>
+          <a:xfrm>
+            <a:off x="0" y="3939902"/>
+            <a:ext cx="9144000" cy="646331"/>
+          </a:xfrm>
+          <a:prstGeom prst="rect">
+            <a:avLst/>
+          </a:prstGeom>
+          <a:noFill/>
+        </p:spPr>
+        <p:txBody>
+          <a:bodyPr wrap="square" rtlCol="0" anchor="ctr">
+            <a:spAutoFit/>
+          </a:bodyPr>
+          <a:lstStyle/>
+          <a:p>
+            <a:pPr algn="ctr"/>
+            <a:r>
+              <a:rPr lang="en-US" sz="3600" b="1" dirty="0">
+                <a:solidFill>
+                  <a:srgbClr val="660033"/>
+                </a:solidFill>
+                <a:effectLst/>
+                <a:latin typeface="Microsoft JhengHei" panose="020B0604030504040204" pitchFamily="34" charset="-120"/>
+                <a:ea typeface="Microsoft JhengHei" panose="020B0604030504040204" pitchFamily="34" charset="-120"/>
+              </a:rPr>
+              <a:t>( </a:t>
+            </a:r>
+            <a:r>
+              <a:rPr lang="zh-CN" altLang="en-US" sz="3600" b="1" dirty="0">
+                <a:solidFill>
+                  <a:srgbClr val="660033"/>
+                </a:solidFill>
+                <a:effectLst/>
+                <a:latin typeface="Microsoft JhengHei" panose="020B0604030504040204" pitchFamily="34" charset="-120"/>
+                <a:ea typeface="Microsoft JhengHei" panose="020B0604030504040204" pitchFamily="34" charset="-120"/>
+              </a:rPr>
+              <a:t>副</a:t>
+            </a:r>
+            <a:r>
+              <a:rPr lang="en-US" sz="3600" b="1" dirty="0" smtClean="0">
+                <a:solidFill>
+                  <a:srgbClr val="660033"/>
+                </a:solidFill>
+                <a:effectLst/>
+                <a:latin typeface="Microsoft JhengHei" panose="020B0604030504040204" pitchFamily="34" charset="-120"/>
+                <a:ea typeface="Microsoft JhengHei" panose="020B0604030504040204" pitchFamily="34" charset="-120"/>
+              </a:rPr>
+              <a:t> </a:t>
+            </a:r>
+            <a:r>
+              <a:rPr lang="en-US" sz="3600" b="1" dirty="0">
+                <a:solidFill>
+                  <a:srgbClr val="660033"/>
+                </a:solidFill>
+                <a:effectLst/>
+                <a:latin typeface="Microsoft JhengHei" panose="020B0604030504040204" pitchFamily="34" charset="-120"/>
+                <a:ea typeface="Microsoft JhengHei" panose="020B0604030504040204" pitchFamily="34" charset="-120"/>
+              </a:rPr>
+              <a:t>)</a:t>
+            </a:r>
+            <a:endParaRPr lang="vi-VN" sz="3600" b="1" dirty="0">
               <a:solidFill>
                 <a:srgbClr val="660033"/>
               </a:solidFill>
-              <a:latin typeface="微軟正黑體" pitchFamily="34" charset="-120"/>
-              <a:ea typeface="微軟正黑體" pitchFamily="34" charset="-120"/>
+              <a:effectLst/>
+              <a:latin typeface="Microsoft JhengHei" panose="020B0604030504040204" pitchFamily="34" charset="-120"/>
+              <a:ea typeface="Microsoft JhengHei" panose="020B0604030504040204" pitchFamily="34" charset="-120"/>
             </a:endParaRPr>
           </a:p>
         </p:txBody>
@@ -3730,6 +4028,84 @@
           </a:p>
         </p:txBody>
       </p:sp>
+      <p:sp>
+        <p:nvSpPr>
+          <p:cNvPr id="3" name="TextBox 2"/>
+          <p:cNvSpPr txBox="1"/>
+          <p:nvPr/>
+        </p:nvSpPr>
+        <p:spPr>
+          <a:xfrm>
+            <a:off x="0" y="3939902"/>
+            <a:ext cx="9144000" cy="646331"/>
+          </a:xfrm>
+          <a:prstGeom prst="rect">
+            <a:avLst/>
+          </a:prstGeom>
+          <a:noFill/>
+        </p:spPr>
+        <p:txBody>
+          <a:bodyPr wrap="square" rtlCol="0" anchor="ctr">
+            <a:spAutoFit/>
+          </a:bodyPr>
+          <a:lstStyle/>
+          <a:p>
+            <a:pPr algn="ctr"/>
+            <a:r>
+              <a:rPr lang="en-US" sz="3600" b="1" dirty="0">
+                <a:solidFill>
+                  <a:srgbClr val="660033"/>
+                </a:solidFill>
+                <a:effectLst/>
+                <a:latin typeface="Microsoft JhengHei" panose="020B0604030504040204" pitchFamily="34" charset="-120"/>
+                <a:ea typeface="Microsoft JhengHei" panose="020B0604030504040204" pitchFamily="34" charset="-120"/>
+              </a:rPr>
+              <a:t>( </a:t>
+            </a:r>
+            <a:r>
+              <a:rPr lang="zh-CN" altLang="en-US" sz="3600" b="1" dirty="0" smtClean="0">
+                <a:solidFill>
+                  <a:srgbClr val="660033"/>
+                </a:solidFill>
+                <a:effectLst/>
+                <a:latin typeface="Microsoft JhengHei" panose="020B0604030504040204" pitchFamily="34" charset="-120"/>
+                <a:ea typeface="Microsoft JhengHei" panose="020B0604030504040204" pitchFamily="34" charset="-120"/>
+              </a:rPr>
+              <a:t>橋</a:t>
+            </a:r>
+            <a:r>
+              <a:rPr lang="en-US" sz="3600" b="1" dirty="0" smtClean="0">
+                <a:solidFill>
+                  <a:srgbClr val="660033"/>
+                </a:solidFill>
+                <a:effectLst/>
+                <a:latin typeface="Microsoft JhengHei" panose="020B0604030504040204" pitchFamily="34" charset="-120"/>
+                <a:ea typeface="Microsoft JhengHei" panose="020B0604030504040204" pitchFamily="34" charset="-120"/>
+              </a:rPr>
+              <a:t> </a:t>
+            </a:r>
+            <a:r>
+              <a:rPr lang="en-US" sz="3600" b="1" dirty="0">
+                <a:solidFill>
+                  <a:srgbClr val="660033"/>
+                </a:solidFill>
+                <a:effectLst/>
+                <a:latin typeface="Microsoft JhengHei" panose="020B0604030504040204" pitchFamily="34" charset="-120"/>
+                <a:ea typeface="Microsoft JhengHei" panose="020B0604030504040204" pitchFamily="34" charset="-120"/>
+              </a:rPr>
+              <a:t>)</a:t>
+            </a:r>
+            <a:endParaRPr lang="vi-VN" sz="3600" b="1" dirty="0">
+              <a:solidFill>
+                <a:srgbClr val="660033"/>
+              </a:solidFill>
+              <a:effectLst/>
+              <a:latin typeface="Microsoft JhengHei" panose="020B0604030504040204" pitchFamily="34" charset="-120"/>
+              <a:ea typeface="Microsoft JhengHei" panose="020B0604030504040204" pitchFamily="34" charset="-120"/>
+            </a:endParaRPr>
+          </a:p>
+        </p:txBody>
+      </p:sp>
     </p:spTree>
     <p:extLst>
       <p:ext uri="{BB962C8B-B14F-4D97-AF65-F5344CB8AC3E}">
@@ -3837,12 +4213,83 @@
               </a:rPr>
               <a:t>的名配得所有頌讚</a:t>
             </a:r>
-            <a:endParaRPr lang="zh-TW" altLang="en-US" sz="4800" b="1" dirty="0">
+          </a:p>
+        </p:txBody>
+      </p:sp>
+      <p:sp>
+        <p:nvSpPr>
+          <p:cNvPr id="3" name="TextBox 2"/>
+          <p:cNvSpPr txBox="1"/>
+          <p:nvPr/>
+        </p:nvSpPr>
+        <p:spPr>
+          <a:xfrm>
+            <a:off x="0" y="3939902"/>
+            <a:ext cx="9144000" cy="646331"/>
+          </a:xfrm>
+          <a:prstGeom prst="rect">
+            <a:avLst/>
+          </a:prstGeom>
+          <a:noFill/>
+        </p:spPr>
+        <p:txBody>
+          <a:bodyPr wrap="square" rtlCol="0" anchor="ctr">
+            <a:spAutoFit/>
+          </a:bodyPr>
+          <a:lstStyle/>
+          <a:p>
+            <a:pPr algn="ctr"/>
+            <a:r>
+              <a:rPr lang="en-US" sz="3600" b="1" dirty="0">
+                <a:solidFill>
+                  <a:srgbClr val="660033"/>
+                </a:solidFill>
+                <a:effectLst/>
+                <a:latin typeface="Microsoft JhengHei" panose="020B0604030504040204" pitchFamily="34" charset="-120"/>
+                <a:ea typeface="Microsoft JhengHei" panose="020B0604030504040204" pitchFamily="34" charset="-120"/>
+              </a:rPr>
+              <a:t>( </a:t>
+            </a:r>
+            <a:r>
+              <a:rPr lang="zh-CN" altLang="en-US" sz="3600" b="1" dirty="0" smtClean="0">
+                <a:solidFill>
+                  <a:srgbClr val="660033"/>
+                </a:solidFill>
+                <a:effectLst/>
+                <a:latin typeface="Microsoft JhengHei" panose="020B0604030504040204" pitchFamily="34" charset="-120"/>
+                <a:ea typeface="Microsoft JhengHei" panose="020B0604030504040204" pitchFamily="34" charset="-120"/>
+              </a:rPr>
+              <a:t>橋</a:t>
+            </a:r>
+            <a:r>
+              <a:rPr lang="en-US" sz="3600" b="1" dirty="0" smtClean="0">
+                <a:solidFill>
+                  <a:srgbClr val="660033"/>
+                </a:solidFill>
+                <a:effectLst/>
+                <a:latin typeface="Microsoft JhengHei" panose="020B0604030504040204" pitchFamily="34" charset="-120"/>
+                <a:ea typeface="Microsoft JhengHei" panose="020B0604030504040204" pitchFamily="34" charset="-120"/>
+              </a:rPr>
+              <a:t> </a:t>
+            </a:r>
+            <a:r>
+              <a:rPr lang="en-US" sz="3600" b="1" dirty="0">
+                <a:solidFill>
+                  <a:srgbClr val="660033"/>
+                </a:solidFill>
+                <a:effectLst/>
+                <a:latin typeface="Microsoft JhengHei" panose="020B0604030504040204" pitchFamily="34" charset="-120"/>
+                <a:ea typeface="Microsoft JhengHei" panose="020B0604030504040204" pitchFamily="34" charset="-120"/>
+              </a:rPr>
+              <a:t>)</a:t>
+            </a:r>
+            <a:endParaRPr lang="vi-VN" sz="3600" b="1" dirty="0">
               <a:solidFill>
                 <a:srgbClr val="660033"/>
               </a:solidFill>
-              <a:latin typeface="微軟正黑體" pitchFamily="34" charset="-120"/>
-              <a:ea typeface="微軟正黑體" pitchFamily="34" charset="-120"/>
+              <a:effectLst/>
+              <a:latin typeface="Microsoft JhengHei" panose="020B0604030504040204" pitchFamily="34" charset="-120"/>
+              <a:ea typeface="Microsoft JhengHei" panose="020B0604030504040204" pitchFamily="34" charset="-120"/>
             </a:endParaRPr>
           </a:p>
         </p:txBody>

--- a/何等恩典(崇拜版).pptx
+++ b/何等恩典(崇拜版).pptx
@@ -310,7 +310,7 @@
           <a:p>
             <a:fld id="{304EAD91-56F9-4EB2-AFAA-94188B17C6C2}" type="datetimeFigureOut">
               <a:rPr lang="zh-TW" altLang="en-US" smtClean="0"/>
-              <a:t>2021/11/19</a:t>
+              <a:t>2023/4/27</a:t>
             </a:fld>
             <a:endParaRPr lang="zh-TW" altLang="en-US"/>
           </a:p>
@@ -475,7 +475,7 @@
           <a:p>
             <a:fld id="{304EAD91-56F9-4EB2-AFAA-94188B17C6C2}" type="datetimeFigureOut">
               <a:rPr lang="zh-TW" altLang="en-US" smtClean="0"/>
-              <a:t>2021/11/19</a:t>
+              <a:t>2023/4/27</a:t>
             </a:fld>
             <a:endParaRPr lang="zh-TW" altLang="en-US"/>
           </a:p>
@@ -650,7 +650,7 @@
           <a:p>
             <a:fld id="{304EAD91-56F9-4EB2-AFAA-94188B17C6C2}" type="datetimeFigureOut">
               <a:rPr lang="zh-TW" altLang="en-US" smtClean="0"/>
-              <a:t>2021/11/19</a:t>
+              <a:t>2023/4/27</a:t>
             </a:fld>
             <a:endParaRPr lang="zh-TW" altLang="en-US"/>
           </a:p>
@@ -815,7 +815,7 @@
           <a:p>
             <a:fld id="{304EAD91-56F9-4EB2-AFAA-94188B17C6C2}" type="datetimeFigureOut">
               <a:rPr lang="zh-TW" altLang="en-US" smtClean="0"/>
-              <a:t>2021/11/19</a:t>
+              <a:t>2023/4/27</a:t>
             </a:fld>
             <a:endParaRPr lang="zh-TW" altLang="en-US"/>
           </a:p>
@@ -1056,7 +1056,7 @@
           <a:p>
             <a:fld id="{304EAD91-56F9-4EB2-AFAA-94188B17C6C2}" type="datetimeFigureOut">
               <a:rPr lang="zh-TW" altLang="en-US" smtClean="0"/>
-              <a:t>2021/11/19</a:t>
+              <a:t>2023/4/27</a:t>
             </a:fld>
             <a:endParaRPr lang="zh-TW" altLang="en-US"/>
           </a:p>
@@ -1339,7 +1339,7 @@
           <a:p>
             <a:fld id="{304EAD91-56F9-4EB2-AFAA-94188B17C6C2}" type="datetimeFigureOut">
               <a:rPr lang="zh-TW" altLang="en-US" smtClean="0"/>
-              <a:t>2021/11/19</a:t>
+              <a:t>2023/4/27</a:t>
             </a:fld>
             <a:endParaRPr lang="zh-TW" altLang="en-US"/>
           </a:p>
@@ -1756,7 +1756,7 @@
           <a:p>
             <a:fld id="{304EAD91-56F9-4EB2-AFAA-94188B17C6C2}" type="datetimeFigureOut">
               <a:rPr lang="zh-TW" altLang="en-US" smtClean="0"/>
-              <a:t>2021/11/19</a:t>
+              <a:t>2023/4/27</a:t>
             </a:fld>
             <a:endParaRPr lang="zh-TW" altLang="en-US"/>
           </a:p>
@@ -1869,7 +1869,7 @@
           <a:p>
             <a:fld id="{304EAD91-56F9-4EB2-AFAA-94188B17C6C2}" type="datetimeFigureOut">
               <a:rPr lang="zh-TW" altLang="en-US" smtClean="0"/>
-              <a:t>2021/11/19</a:t>
+              <a:t>2023/4/27</a:t>
             </a:fld>
             <a:endParaRPr lang="zh-TW" altLang="en-US"/>
           </a:p>
@@ -1959,7 +1959,7 @@
           <a:p>
             <a:fld id="{304EAD91-56F9-4EB2-AFAA-94188B17C6C2}" type="datetimeFigureOut">
               <a:rPr lang="zh-TW" altLang="en-US" smtClean="0"/>
-              <a:t>2021/11/19</a:t>
+              <a:t>2023/4/27</a:t>
             </a:fld>
             <a:endParaRPr lang="zh-TW" altLang="en-US"/>
           </a:p>
@@ -2231,7 +2231,7 @@
           <a:p>
             <a:fld id="{304EAD91-56F9-4EB2-AFAA-94188B17C6C2}" type="datetimeFigureOut">
               <a:rPr lang="zh-TW" altLang="en-US" smtClean="0"/>
-              <a:t>2021/11/19</a:t>
+              <a:t>2023/4/27</a:t>
             </a:fld>
             <a:endParaRPr lang="zh-TW" altLang="en-US"/>
           </a:p>
@@ -2483,7 +2483,7 @@
           <a:p>
             <a:fld id="{304EAD91-56F9-4EB2-AFAA-94188B17C6C2}" type="datetimeFigureOut">
               <a:rPr lang="zh-TW" altLang="en-US" smtClean="0"/>
-              <a:t>2021/11/19</a:t>
+              <a:t>2023/4/27</a:t>
             </a:fld>
             <a:endParaRPr lang="zh-TW" altLang="en-US"/>
           </a:p>
@@ -2696,7 +2696,7 @@
           <a:p>
             <a:fld id="{304EAD91-56F9-4EB2-AFAA-94188B17C6C2}" type="datetimeFigureOut">
               <a:rPr lang="zh-TW" altLang="en-US" smtClean="0"/>
-              <a:t>2021/11/19</a:t>
+              <a:t>2023/4/27</a:t>
             </a:fld>
             <a:endParaRPr lang="zh-TW" altLang="en-US"/>
           </a:p>
@@ -3188,27 +3188,47 @@
                 <a:latin typeface="微軟正黑體" pitchFamily="34" charset="-120"/>
                 <a:ea typeface="微軟正黑體" pitchFamily="34" charset="-120"/>
               </a:rPr>
-              <a:t>以真誠的心  降服在</a:t>
-            </a:r>
-            <a:r>
-              <a:rPr lang="zh-CN" altLang="en-US" sz="4800" b="1" dirty="0">
+              <a:t>以真誠的心  降服</a:t>
+            </a:r>
+            <a:r>
+              <a:rPr lang="zh-TW" altLang="en-US" sz="4800" b="1" dirty="0" smtClean="0">
                 <a:solidFill>
                   <a:srgbClr val="660033"/>
                 </a:solidFill>
                 <a:latin typeface="微軟正黑體" pitchFamily="34" charset="-120"/>
                 <a:ea typeface="微軟正黑體" pitchFamily="34" charset="-120"/>
               </a:rPr>
-              <a:t>袮</a:t>
-            </a:r>
-            <a:r>
-              <a:rPr lang="zh-TW" altLang="en-US" sz="4800" b="1" dirty="0">
+              <a:t>在</a:t>
+            </a:r>
+            <a:r>
+              <a:rPr lang="zh-CN" altLang="en-US" sz="4800" b="1" dirty="0">
                 <a:solidFill>
                   <a:srgbClr val="660033"/>
                 </a:solidFill>
                 <a:latin typeface="微軟正黑體" pitchFamily="34" charset="-120"/>
                 <a:ea typeface="微軟正黑體" pitchFamily="34" charset="-120"/>
               </a:rPr>
-              <a:t>面前</a:t>
+              <a:t>祢</a:t>
+            </a:r>
+            <a:r>
+              <a:rPr lang="zh-TW" altLang="en-US" sz="4800" b="1" dirty="0" smtClean="0">
+                <a:solidFill>
+                  <a:srgbClr val="660033"/>
+                </a:solidFill>
+                <a:latin typeface="微軟正黑體" pitchFamily="34" charset="-120"/>
+                <a:ea typeface="微軟正黑體" pitchFamily="34" charset="-120"/>
+              </a:rPr>
+              <a:t>面</a:t>
+            </a:r>
+            <a:r>
+              <a:rPr lang="zh-TW" altLang="en-US" sz="4800" b="1" dirty="0">
+                <a:solidFill>
+                  <a:srgbClr val="660033"/>
+                </a:solidFill>
+                <a:latin typeface="微軟正黑體" pitchFamily="34" charset="-120"/>
+                <a:ea typeface="微軟正黑體" pitchFamily="34" charset="-120"/>
+              </a:rPr>
+              <a:t>前</a:t>
             </a:r>
             <a:endParaRPr lang="en-US" altLang="zh-TW" sz="4800" b="1" dirty="0">
               <a:solidFill>
@@ -3250,8 +3270,8 @@
         </p:nvSpPr>
         <p:spPr>
           <a:xfrm>
-            <a:off x="0" y="3939902"/>
-            <a:ext cx="9144000" cy="646331"/>
+            <a:off x="0" y="3970680"/>
+            <a:ext cx="9144000" cy="584775"/>
           </a:xfrm>
           <a:prstGeom prst="rect">
             <a:avLst/>
@@ -3266,7 +3286,7 @@
           <a:p>
             <a:pPr algn="ctr"/>
             <a:r>
-              <a:rPr lang="en-US" sz="3600" b="1" dirty="0">
+              <a:rPr lang="en-US" sz="3200" b="1" dirty="0">
                 <a:solidFill>
                   <a:srgbClr val="660033"/>
                 </a:solidFill>
@@ -3277,7 +3297,7 @@
               <a:t>( </a:t>
             </a:r>
             <a:r>
-              <a:rPr lang="zh-CN" altLang="en-US" sz="3600" b="1" dirty="0" smtClean="0">
+              <a:rPr lang="zh-CN" altLang="en-US" sz="3200" b="1" dirty="0" smtClean="0">
                 <a:solidFill>
                   <a:srgbClr val="660033"/>
                 </a:solidFill>
@@ -3285,10 +3305,10 @@
                 <a:latin typeface="Microsoft JhengHei" panose="020B0604030504040204" pitchFamily="34" charset="-120"/>
                 <a:ea typeface="Microsoft JhengHei" panose="020B0604030504040204" pitchFamily="34" charset="-120"/>
               </a:rPr>
-              <a:t>正</a:t>
-            </a:r>
-            <a:r>
-              <a:rPr lang="en-US" sz="3600" b="1" dirty="0" smtClean="0">
+              <a:t>正歌</a:t>
+            </a:r>
+            <a:r>
+              <a:rPr lang="en-US" sz="3200" b="1" dirty="0" smtClean="0">
                 <a:solidFill>
                   <a:srgbClr val="660033"/>
                 </a:solidFill>
@@ -3299,7 +3319,7 @@
               <a:t> </a:t>
             </a:r>
             <a:r>
-              <a:rPr lang="en-US" sz="3600" b="1" dirty="0">
+              <a:rPr lang="en-US" sz="3200" b="1" dirty="0">
                 <a:solidFill>
                   <a:srgbClr val="660033"/>
                 </a:solidFill>
@@ -3309,7 +3329,7 @@
               </a:rPr>
               <a:t>)</a:t>
             </a:r>
-            <a:endParaRPr lang="vi-VN" sz="3600" b="1" dirty="0">
+            <a:endParaRPr lang="vi-VN" sz="3200" b="1" dirty="0">
               <a:solidFill>
                 <a:srgbClr val="660033"/>
               </a:solidFill>
@@ -3398,7 +3418,7 @@
               <a:buNone/>
             </a:pPr>
             <a:r>
-              <a:rPr lang="zh-TW" altLang="en-US" sz="4800" b="1" dirty="0">
+              <a:rPr lang="zh-TW" altLang="en-US" sz="4800" b="1" dirty="0" smtClean="0">
                 <a:solidFill>
                   <a:srgbClr val="660033"/>
                 </a:solidFill>
@@ -3415,17 +3435,27 @@
                 <a:latin typeface="微軟正黑體" pitchFamily="34" charset="-120"/>
                 <a:ea typeface="微軟正黑體" pitchFamily="34" charset="-120"/>
               </a:rPr>
-              <a:t>袮</a:t>
-            </a:r>
-            <a:r>
-              <a:rPr lang="zh-TW" altLang="en-US" sz="4800" b="1" dirty="0">
+              <a:t>祢</a:t>
+            </a:r>
+            <a:r>
+              <a:rPr lang="zh-TW" altLang="en-US" sz="4800" b="1" dirty="0" smtClean="0">
                 <a:solidFill>
                   <a:srgbClr val="660033"/>
                 </a:solidFill>
                 <a:latin typeface="微軟正黑體" pitchFamily="34" charset="-120"/>
                 <a:ea typeface="微軟正黑體" pitchFamily="34" charset="-120"/>
               </a:rPr>
-              <a:t>而來的溫柔謙卑</a:t>
+              <a:t>而</a:t>
+            </a:r>
+            <a:r>
+              <a:rPr lang="zh-TW" altLang="en-US" sz="4800" b="1" dirty="0">
+                <a:solidFill>
+                  <a:srgbClr val="660033"/>
+                </a:solidFill>
+                <a:latin typeface="微軟正黑體" pitchFamily="34" charset="-120"/>
+                <a:ea typeface="微軟正黑體" pitchFamily="34" charset="-120"/>
+              </a:rPr>
+              <a:t>來的溫柔謙卑</a:t>
             </a:r>
           </a:p>
         </p:txBody>
@@ -3438,8 +3468,8 @@
         </p:nvSpPr>
         <p:spPr>
           <a:xfrm>
-            <a:off x="0" y="3939902"/>
-            <a:ext cx="9144000" cy="646331"/>
+            <a:off x="0" y="3970680"/>
+            <a:ext cx="9144000" cy="584775"/>
           </a:xfrm>
           <a:prstGeom prst="rect">
             <a:avLst/>
@@ -3454,54 +3484,39 @@
           <a:p>
             <a:pPr algn="ctr"/>
             <a:r>
-              <a:rPr lang="en-US" sz="3600" b="1" dirty="0">
-                <a:solidFill>
-                  <a:srgbClr val="660033"/>
-                </a:solidFill>
-                <a:effectLst/>
+              <a:rPr lang="en-US" sz="3200" b="1" dirty="0">
+                <a:solidFill>
+                  <a:srgbClr val="660033"/>
+                </a:solidFill>
                 <a:latin typeface="Microsoft JhengHei" panose="020B0604030504040204" pitchFamily="34" charset="-120"/>
                 <a:ea typeface="Microsoft JhengHei" panose="020B0604030504040204" pitchFamily="34" charset="-120"/>
               </a:rPr>
               <a:t>( </a:t>
             </a:r>
             <a:r>
-              <a:rPr lang="zh-CN" altLang="en-US" sz="3600" b="1" dirty="0" smtClean="0">
-                <a:solidFill>
-                  <a:srgbClr val="660033"/>
-                </a:solidFill>
-                <a:effectLst/>
+              <a:rPr lang="zh-CN" altLang="en-US" sz="3200" b="1" dirty="0">
+                <a:solidFill>
+                  <a:srgbClr val="660033"/>
+                </a:solidFill>
                 <a:latin typeface="Microsoft JhengHei" panose="020B0604030504040204" pitchFamily="34" charset="-120"/>
                 <a:ea typeface="Microsoft JhengHei" panose="020B0604030504040204" pitchFamily="34" charset="-120"/>
               </a:rPr>
-              <a:t>正</a:t>
-            </a:r>
-            <a:r>
-              <a:rPr lang="en-US" sz="3600" b="1" dirty="0" smtClean="0">
-                <a:solidFill>
-                  <a:srgbClr val="660033"/>
-                </a:solidFill>
-                <a:effectLst/>
+              <a:t>正歌</a:t>
+            </a:r>
+            <a:r>
+              <a:rPr lang="en-US" sz="3200" b="1" dirty="0">
+                <a:solidFill>
+                  <a:srgbClr val="660033"/>
+                </a:solidFill>
                 <a:latin typeface="Microsoft JhengHei" panose="020B0604030504040204" pitchFamily="34" charset="-120"/>
                 <a:ea typeface="Microsoft JhengHei" panose="020B0604030504040204" pitchFamily="34" charset="-120"/>
               </a:rPr>
-              <a:t> </a:t>
-            </a:r>
-            <a:r>
-              <a:rPr lang="en-US" sz="3600" b="1" dirty="0">
-                <a:solidFill>
-                  <a:srgbClr val="660033"/>
-                </a:solidFill>
-                <a:effectLst/>
-                <a:latin typeface="Microsoft JhengHei" panose="020B0604030504040204" pitchFamily="34" charset="-120"/>
-                <a:ea typeface="Microsoft JhengHei" panose="020B0604030504040204" pitchFamily="34" charset="-120"/>
-              </a:rPr>
-              <a:t>)</a:t>
-            </a:r>
-            <a:endParaRPr lang="vi-VN" sz="3600" b="1" dirty="0">
+              <a:t> )</a:t>
+            </a:r>
+            <a:endParaRPr lang="vi-VN" sz="3200" b="1" dirty="0">
               <a:solidFill>
                 <a:srgbClr val="660033"/>
               </a:solidFill>
-              <a:effectLst/>
               <a:latin typeface="Microsoft JhengHei" panose="020B0604030504040204" pitchFamily="34" charset="-120"/>
               <a:ea typeface="Microsoft JhengHei" panose="020B0604030504040204" pitchFamily="34" charset="-120"/>
             </a:endParaRPr>
@@ -3571,27 +3586,47 @@
                 <a:latin typeface="微軟正黑體" pitchFamily="34" charset="-120"/>
                 <a:ea typeface="微軟正黑體" pitchFamily="34" charset="-120"/>
               </a:rPr>
-              <a:t>何等恩典  </a:t>
-            </a:r>
-            <a:r>
-              <a:rPr lang="zh-CN" altLang="en-US" sz="4800" b="1" dirty="0">
+              <a:t>何等恩</a:t>
+            </a:r>
+            <a:r>
+              <a:rPr lang="zh-TW" altLang="en-US" sz="4800" b="1" dirty="0" smtClean="0">
                 <a:solidFill>
                   <a:srgbClr val="660033"/>
                 </a:solidFill>
                 <a:latin typeface="微軟正黑體" pitchFamily="34" charset="-120"/>
                 <a:ea typeface="微軟正黑體" pitchFamily="34" charset="-120"/>
               </a:rPr>
-              <a:t>袮</a:t>
-            </a:r>
-            <a:r>
-              <a:rPr lang="zh-TW" altLang="en-US" sz="4800" b="1" dirty="0">
+              <a:t>典  </a:t>
+            </a:r>
+            <a:r>
+              <a:rPr lang="zh-CN" altLang="en-US" sz="4800" b="1" dirty="0" smtClean="0">
                 <a:solidFill>
                   <a:srgbClr val="660033"/>
                 </a:solidFill>
                 <a:latin typeface="微軟正黑體" pitchFamily="34" charset="-120"/>
                 <a:ea typeface="微軟正黑體" pitchFamily="34" charset="-120"/>
               </a:rPr>
-              <a:t>竟然在乎我</a:t>
+              <a:t>祢</a:t>
+            </a:r>
+            <a:r>
+              <a:rPr lang="zh-TW" altLang="en-US" sz="4800" b="1" dirty="0" smtClean="0">
+                <a:solidFill>
+                  <a:srgbClr val="660033"/>
+                </a:solidFill>
+                <a:latin typeface="微軟正黑體" pitchFamily="34" charset="-120"/>
+                <a:ea typeface="微軟正黑體" pitchFamily="34" charset="-120"/>
+              </a:rPr>
+              <a:t>竟</a:t>
+            </a:r>
+            <a:r>
+              <a:rPr lang="zh-TW" altLang="en-US" sz="4800" b="1" dirty="0">
+                <a:solidFill>
+                  <a:srgbClr val="660033"/>
+                </a:solidFill>
+                <a:latin typeface="微軟正黑體" pitchFamily="34" charset="-120"/>
+                <a:ea typeface="微軟正黑體" pitchFamily="34" charset="-120"/>
+              </a:rPr>
+              <a:t>然在乎我</a:t>
             </a:r>
             <a:endParaRPr lang="en-US" altLang="zh-TW" sz="4800" b="1" dirty="0">
               <a:solidFill>
@@ -3613,27 +3648,47 @@
                 <a:latin typeface="微軟正黑體" pitchFamily="34" charset="-120"/>
                 <a:ea typeface="微軟正黑體" pitchFamily="34" charset="-120"/>
               </a:rPr>
-              <a:t>何等恩典  </a:t>
-            </a:r>
-            <a:r>
-              <a:rPr lang="zh-CN" altLang="en-US" sz="4800" b="1" dirty="0">
+              <a:t>何等恩</a:t>
+            </a:r>
+            <a:r>
+              <a:rPr lang="zh-TW" altLang="en-US" sz="4800" b="1" dirty="0" smtClean="0">
                 <a:solidFill>
                   <a:srgbClr val="660033"/>
                 </a:solidFill>
                 <a:latin typeface="微軟正黑體" pitchFamily="34" charset="-120"/>
                 <a:ea typeface="微軟正黑體" pitchFamily="34" charset="-120"/>
               </a:rPr>
-              <a:t>袮</a:t>
-            </a:r>
-            <a:r>
-              <a:rPr lang="zh-TW" altLang="en-US" sz="4800" b="1" dirty="0">
+              <a:t>典  </a:t>
+            </a:r>
+            <a:r>
+              <a:rPr lang="zh-CN" altLang="en-US" sz="4800" b="1" dirty="0" smtClean="0">
                 <a:solidFill>
                   <a:srgbClr val="660033"/>
                 </a:solidFill>
                 <a:latin typeface="微軟正黑體" pitchFamily="34" charset="-120"/>
                 <a:ea typeface="微軟正黑體" pitchFamily="34" charset="-120"/>
               </a:rPr>
-              <a:t>寶血為我流</a:t>
+              <a:t>祢</a:t>
+            </a:r>
+            <a:r>
+              <a:rPr lang="zh-TW" altLang="en-US" sz="4800" b="1" dirty="0" smtClean="0">
+                <a:solidFill>
+                  <a:srgbClr val="660033"/>
+                </a:solidFill>
+                <a:latin typeface="微軟正黑體" pitchFamily="34" charset="-120"/>
+                <a:ea typeface="微軟正黑體" pitchFamily="34" charset="-120"/>
+              </a:rPr>
+              <a:t>寶</a:t>
+            </a:r>
+            <a:r>
+              <a:rPr lang="zh-TW" altLang="en-US" sz="4800" b="1" dirty="0">
+                <a:solidFill>
+                  <a:srgbClr val="660033"/>
+                </a:solidFill>
+                <a:latin typeface="微軟正黑體" pitchFamily="34" charset="-120"/>
+                <a:ea typeface="微軟正黑體" pitchFamily="34" charset="-120"/>
+              </a:rPr>
+              <a:t>血為我流</a:t>
             </a:r>
             <a:endParaRPr lang="en-US" altLang="zh-TW" sz="4800" b="1" dirty="0">
               <a:solidFill>
@@ -3653,8 +3708,8 @@
         </p:nvSpPr>
         <p:spPr>
           <a:xfrm>
-            <a:off x="0" y="3939902"/>
-            <a:ext cx="9144000" cy="646331"/>
+            <a:off x="0" y="3970680"/>
+            <a:ext cx="9144000" cy="584775"/>
           </a:xfrm>
           <a:prstGeom prst="rect">
             <a:avLst/>
@@ -3669,54 +3724,39 @@
           <a:p>
             <a:pPr algn="ctr"/>
             <a:r>
-              <a:rPr lang="en-US" sz="3600" b="1" dirty="0">
-                <a:solidFill>
-                  <a:srgbClr val="660033"/>
-                </a:solidFill>
-                <a:effectLst/>
+              <a:rPr lang="en-US" sz="3200" b="1" dirty="0">
+                <a:solidFill>
+                  <a:srgbClr val="660033"/>
+                </a:solidFill>
                 <a:latin typeface="Microsoft JhengHei" panose="020B0604030504040204" pitchFamily="34" charset="-120"/>
                 <a:ea typeface="Microsoft JhengHei" panose="020B0604030504040204" pitchFamily="34" charset="-120"/>
               </a:rPr>
               <a:t>( </a:t>
             </a:r>
             <a:r>
-              <a:rPr lang="zh-CN" altLang="en-US" sz="3600" b="1" dirty="0">
-                <a:solidFill>
-                  <a:srgbClr val="660033"/>
-                </a:solidFill>
-                <a:effectLst/>
+              <a:rPr lang="zh-CN" altLang="en-US" sz="3200" b="1" dirty="0">
+                <a:solidFill>
+                  <a:srgbClr val="660033"/>
+                </a:solidFill>
                 <a:latin typeface="Microsoft JhengHei" panose="020B0604030504040204" pitchFamily="34" charset="-120"/>
                 <a:ea typeface="Microsoft JhengHei" panose="020B0604030504040204" pitchFamily="34" charset="-120"/>
               </a:rPr>
-              <a:t>副</a:t>
-            </a:r>
-            <a:r>
-              <a:rPr lang="en-US" sz="3600" b="1" dirty="0" smtClean="0">
-                <a:solidFill>
-                  <a:srgbClr val="660033"/>
-                </a:solidFill>
-                <a:effectLst/>
+              <a:t>副歌</a:t>
+            </a:r>
+            <a:r>
+              <a:rPr lang="en-US" sz="3200" b="1" dirty="0">
+                <a:solidFill>
+                  <a:srgbClr val="660033"/>
+                </a:solidFill>
                 <a:latin typeface="Microsoft JhengHei" panose="020B0604030504040204" pitchFamily="34" charset="-120"/>
                 <a:ea typeface="Microsoft JhengHei" panose="020B0604030504040204" pitchFamily="34" charset="-120"/>
               </a:rPr>
-              <a:t> </a:t>
-            </a:r>
-            <a:r>
-              <a:rPr lang="en-US" sz="3600" b="1" dirty="0">
-                <a:solidFill>
-                  <a:srgbClr val="660033"/>
-                </a:solidFill>
-                <a:effectLst/>
-                <a:latin typeface="Microsoft JhengHei" panose="020B0604030504040204" pitchFamily="34" charset="-120"/>
-                <a:ea typeface="Microsoft JhengHei" panose="020B0604030504040204" pitchFamily="34" charset="-120"/>
-              </a:rPr>
-              <a:t>)</a:t>
-            </a:r>
-            <a:endParaRPr lang="vi-VN" sz="3600" b="1" dirty="0">
+              <a:t> )</a:t>
+            </a:r>
+            <a:endParaRPr lang="vi-VN" sz="3200" b="1" dirty="0">
               <a:solidFill>
                 <a:srgbClr val="660033"/>
               </a:solidFill>
-              <a:effectLst/>
               <a:latin typeface="Microsoft JhengHei" panose="020B0604030504040204" pitchFamily="34" charset="-120"/>
               <a:ea typeface="Microsoft JhengHei" panose="020B0604030504040204" pitchFamily="34" charset="-120"/>
             </a:endParaRPr>
@@ -3786,27 +3826,47 @@
                 <a:latin typeface="微軟正黑體" pitchFamily="34" charset="-120"/>
                 <a:ea typeface="微軟正黑體" pitchFamily="34" charset="-120"/>
               </a:rPr>
-              <a:t>何等恩典  </a:t>
-            </a:r>
-            <a:r>
-              <a:rPr lang="zh-CN" altLang="en-US" sz="4800" b="1" dirty="0">
+              <a:t>何等恩</a:t>
+            </a:r>
+            <a:r>
+              <a:rPr lang="zh-TW" altLang="en-US" sz="4800" b="1" dirty="0" smtClean="0">
                 <a:solidFill>
                   <a:srgbClr val="660033"/>
                 </a:solidFill>
                 <a:latin typeface="微軟正黑體" pitchFamily="34" charset="-120"/>
                 <a:ea typeface="微軟正黑體" pitchFamily="34" charset="-120"/>
               </a:rPr>
-              <a:t>袮</a:t>
-            </a:r>
-            <a:r>
-              <a:rPr lang="zh-TW" altLang="en-US" sz="4800" b="1" dirty="0">
+              <a:t>典  </a:t>
+            </a:r>
+            <a:r>
+              <a:rPr lang="zh-CN" altLang="en-US" sz="4800" b="1" dirty="0" smtClean="0">
                 <a:solidFill>
                   <a:srgbClr val="660033"/>
                 </a:solidFill>
                 <a:latin typeface="微軟正黑體" pitchFamily="34" charset="-120"/>
                 <a:ea typeface="微軟正黑體" pitchFamily="34" charset="-120"/>
               </a:rPr>
-              <a:t>以尊貴榮耀</a:t>
+              <a:t>祢</a:t>
+            </a:r>
+            <a:r>
+              <a:rPr lang="zh-TW" altLang="en-US" sz="4800" b="1" dirty="0" smtClean="0">
+                <a:solidFill>
+                  <a:srgbClr val="660033"/>
+                </a:solidFill>
+                <a:latin typeface="微軟正黑體" pitchFamily="34" charset="-120"/>
+                <a:ea typeface="微軟正黑體" pitchFamily="34" charset="-120"/>
+              </a:rPr>
+              <a:t>以</a:t>
+            </a:r>
+            <a:r>
+              <a:rPr lang="zh-TW" altLang="en-US" sz="4800" b="1" dirty="0">
+                <a:solidFill>
+                  <a:srgbClr val="660033"/>
+                </a:solidFill>
+                <a:latin typeface="微軟正黑體" pitchFamily="34" charset="-120"/>
+                <a:ea typeface="微軟正黑體" pitchFamily="34" charset="-120"/>
+              </a:rPr>
+              <a:t>尊貴榮耀</a:t>
             </a:r>
             <a:endParaRPr lang="en-US" altLang="zh-TW" sz="4800" b="1" dirty="0">
               <a:solidFill>
@@ -3841,8 +3901,8 @@
         </p:nvSpPr>
         <p:spPr>
           <a:xfrm>
-            <a:off x="0" y="3939902"/>
-            <a:ext cx="9144000" cy="646331"/>
+            <a:off x="0" y="3970680"/>
+            <a:ext cx="9144000" cy="584775"/>
           </a:xfrm>
           <a:prstGeom prst="rect">
             <a:avLst/>
@@ -3857,54 +3917,39 @@
           <a:p>
             <a:pPr algn="ctr"/>
             <a:r>
-              <a:rPr lang="en-US" sz="3600" b="1" dirty="0">
-                <a:solidFill>
-                  <a:srgbClr val="660033"/>
-                </a:solidFill>
-                <a:effectLst/>
+              <a:rPr lang="en-US" sz="3200" b="1" dirty="0">
+                <a:solidFill>
+                  <a:srgbClr val="660033"/>
+                </a:solidFill>
                 <a:latin typeface="Microsoft JhengHei" panose="020B0604030504040204" pitchFamily="34" charset="-120"/>
                 <a:ea typeface="Microsoft JhengHei" panose="020B0604030504040204" pitchFamily="34" charset="-120"/>
               </a:rPr>
               <a:t>( </a:t>
             </a:r>
             <a:r>
-              <a:rPr lang="zh-CN" altLang="en-US" sz="3600" b="1" dirty="0">
-                <a:solidFill>
-                  <a:srgbClr val="660033"/>
-                </a:solidFill>
-                <a:effectLst/>
+              <a:rPr lang="zh-CN" altLang="en-US" sz="3200" b="1" dirty="0">
+                <a:solidFill>
+                  <a:srgbClr val="660033"/>
+                </a:solidFill>
                 <a:latin typeface="Microsoft JhengHei" panose="020B0604030504040204" pitchFamily="34" charset="-120"/>
                 <a:ea typeface="Microsoft JhengHei" panose="020B0604030504040204" pitchFamily="34" charset="-120"/>
               </a:rPr>
-              <a:t>副</a:t>
-            </a:r>
-            <a:r>
-              <a:rPr lang="en-US" sz="3600" b="1" dirty="0" smtClean="0">
-                <a:solidFill>
-                  <a:srgbClr val="660033"/>
-                </a:solidFill>
-                <a:effectLst/>
+              <a:t>副歌</a:t>
+            </a:r>
+            <a:r>
+              <a:rPr lang="en-US" sz="3200" b="1" dirty="0">
+                <a:solidFill>
+                  <a:srgbClr val="660033"/>
+                </a:solidFill>
                 <a:latin typeface="Microsoft JhengHei" panose="020B0604030504040204" pitchFamily="34" charset="-120"/>
                 <a:ea typeface="Microsoft JhengHei" panose="020B0604030504040204" pitchFamily="34" charset="-120"/>
               </a:rPr>
-              <a:t> </a:t>
-            </a:r>
-            <a:r>
-              <a:rPr lang="en-US" sz="3600" b="1" dirty="0">
-                <a:solidFill>
-                  <a:srgbClr val="660033"/>
-                </a:solidFill>
-                <a:effectLst/>
-                <a:latin typeface="Microsoft JhengHei" panose="020B0604030504040204" pitchFamily="34" charset="-120"/>
-                <a:ea typeface="Microsoft JhengHei" panose="020B0604030504040204" pitchFamily="34" charset="-120"/>
-              </a:rPr>
-              <a:t>)</a:t>
-            </a:r>
-            <a:endParaRPr lang="vi-VN" sz="3600" b="1" dirty="0">
+              <a:t> )</a:t>
+            </a:r>
+            <a:endParaRPr lang="vi-VN" sz="3200" b="1" dirty="0">
               <a:solidFill>
                 <a:srgbClr val="660033"/>
               </a:solidFill>
-              <a:effectLst/>
               <a:latin typeface="Microsoft JhengHei" panose="020B0604030504040204" pitchFamily="34" charset="-120"/>
               <a:ea typeface="Microsoft JhengHei" panose="020B0604030504040204" pitchFamily="34" charset="-120"/>
             </a:endParaRPr>
@@ -3974,17 +4019,27 @@
                 <a:latin typeface="微軟正黑體" pitchFamily="34" charset="-120"/>
                 <a:ea typeface="微軟正黑體" pitchFamily="34" charset="-120"/>
               </a:rPr>
-              <a:t>袮</a:t>
-            </a:r>
-            <a:r>
-              <a:rPr lang="zh-TW" altLang="en-US" sz="4800" b="1" dirty="0">
+              <a:t>祢</a:t>
+            </a:r>
+            <a:r>
+              <a:rPr lang="zh-TW" altLang="en-US" sz="4800" b="1" dirty="0" smtClean="0">
                 <a:solidFill>
                   <a:srgbClr val="660033"/>
                 </a:solidFill>
                 <a:latin typeface="微軟正黑體" pitchFamily="34" charset="-120"/>
                 <a:ea typeface="微軟正黑體" pitchFamily="34" charset="-120"/>
               </a:rPr>
-              <a:t>已挪去我所有枷鎖</a:t>
+              <a:t>已</a:t>
+            </a:r>
+            <a:r>
+              <a:rPr lang="zh-TW" altLang="en-US" sz="4800" b="1" dirty="0">
+                <a:solidFill>
+                  <a:srgbClr val="660033"/>
+                </a:solidFill>
+                <a:latin typeface="微軟正黑體" pitchFamily="34" charset="-120"/>
+                <a:ea typeface="微軟正黑體" pitchFamily="34" charset="-120"/>
+              </a:rPr>
+              <a:t>挪去我所有枷鎖</a:t>
             </a:r>
             <a:endParaRPr lang="en-US" altLang="zh-TW" sz="4800" b="1" dirty="0">
               <a:solidFill>
@@ -4006,17 +4061,27 @@
                 <a:latin typeface="微軟正黑體" pitchFamily="34" charset="-120"/>
                 <a:ea typeface="微軟正黑體" pitchFamily="34" charset="-120"/>
               </a:rPr>
-              <a:t>袮</a:t>
-            </a:r>
-            <a:r>
-              <a:rPr lang="zh-TW" altLang="en-US" sz="4800" b="1" dirty="0">
+              <a:t>祢</a:t>
+            </a:r>
+            <a:r>
+              <a:rPr lang="zh-TW" altLang="en-US" sz="4800" b="1" dirty="0" smtClean="0">
                 <a:solidFill>
                   <a:srgbClr val="660033"/>
                 </a:solidFill>
                 <a:latin typeface="微軟正黑體" pitchFamily="34" charset="-120"/>
                 <a:ea typeface="微軟正黑體" pitchFamily="34" charset="-120"/>
               </a:rPr>
-              <a:t>已挪去我所有重擔</a:t>
+              <a:t>已</a:t>
+            </a:r>
+            <a:r>
+              <a:rPr lang="zh-TW" altLang="en-US" sz="4800" b="1" dirty="0">
+                <a:solidFill>
+                  <a:srgbClr val="660033"/>
+                </a:solidFill>
+                <a:latin typeface="微軟正黑體" pitchFamily="34" charset="-120"/>
+                <a:ea typeface="微軟正黑體" pitchFamily="34" charset="-120"/>
+              </a:rPr>
+              <a:t>挪去我所有重擔</a:t>
             </a:r>
             <a:endParaRPr lang="en-US" altLang="zh-TW" sz="4800" b="1" dirty="0">
               <a:solidFill>
@@ -4036,8 +4101,8 @@
         </p:nvSpPr>
         <p:spPr>
           <a:xfrm>
-            <a:off x="0" y="3939902"/>
-            <a:ext cx="9144000" cy="646331"/>
+            <a:off x="0" y="3970680"/>
+            <a:ext cx="9144000" cy="584775"/>
           </a:xfrm>
           <a:prstGeom prst="rect">
             <a:avLst/>
@@ -4052,54 +4117,49 @@
           <a:p>
             <a:pPr algn="ctr"/>
             <a:r>
-              <a:rPr lang="en-US" sz="3600" b="1" dirty="0">
-                <a:solidFill>
-                  <a:srgbClr val="660033"/>
-                </a:solidFill>
-                <a:effectLst/>
+              <a:rPr lang="en-US" sz="3200" b="1" dirty="0">
+                <a:solidFill>
+                  <a:srgbClr val="660033"/>
+                </a:solidFill>
                 <a:latin typeface="Microsoft JhengHei" panose="020B0604030504040204" pitchFamily="34" charset="-120"/>
                 <a:ea typeface="Microsoft JhengHei" panose="020B0604030504040204" pitchFamily="34" charset="-120"/>
               </a:rPr>
               <a:t>( </a:t>
             </a:r>
             <a:r>
-              <a:rPr lang="zh-CN" altLang="en-US" sz="3600" b="1" dirty="0" smtClean="0">
-                <a:solidFill>
-                  <a:srgbClr val="660033"/>
-                </a:solidFill>
-                <a:effectLst/>
+              <a:rPr lang="zh-CN" altLang="en-US" sz="3200" b="1" dirty="0">
+                <a:solidFill>
+                  <a:srgbClr val="660033"/>
+                </a:solidFill>
                 <a:latin typeface="Microsoft JhengHei" panose="020B0604030504040204" pitchFamily="34" charset="-120"/>
                 <a:ea typeface="Microsoft JhengHei" panose="020B0604030504040204" pitchFamily="34" charset="-120"/>
               </a:rPr>
               <a:t>橋</a:t>
             </a:r>
             <a:r>
-              <a:rPr lang="en-US" sz="3600" b="1" dirty="0" smtClean="0">
-                <a:solidFill>
-                  <a:srgbClr val="660033"/>
-                </a:solidFill>
-                <a:effectLst/>
+              <a:rPr lang="en-US" sz="3200" b="1" dirty="0">
+                <a:solidFill>
+                  <a:srgbClr val="660033"/>
+                </a:solidFill>
                 <a:latin typeface="Microsoft JhengHei" panose="020B0604030504040204" pitchFamily="34" charset="-120"/>
                 <a:ea typeface="Microsoft JhengHei" panose="020B0604030504040204" pitchFamily="34" charset="-120"/>
               </a:rPr>
               <a:t> </a:t>
             </a:r>
             <a:r>
-              <a:rPr lang="en-US" sz="3600" b="1" dirty="0">
-                <a:solidFill>
-                  <a:srgbClr val="660033"/>
-                </a:solidFill>
-                <a:effectLst/>
+              <a:rPr lang="en-US" sz="3200" b="1" dirty="0">
+                <a:solidFill>
+                  <a:srgbClr val="660033"/>
+                </a:solidFill>
                 <a:latin typeface="Microsoft JhengHei" panose="020B0604030504040204" pitchFamily="34" charset="-120"/>
                 <a:ea typeface="Microsoft JhengHei" panose="020B0604030504040204" pitchFamily="34" charset="-120"/>
               </a:rPr>
               <a:t>)</a:t>
             </a:r>
-            <a:endParaRPr lang="vi-VN" sz="3600" b="1" dirty="0">
+            <a:endParaRPr lang="vi-VN" sz="3200" b="1" dirty="0">
               <a:solidFill>
                 <a:srgbClr val="660033"/>
               </a:solidFill>
-              <a:effectLst/>
               <a:latin typeface="Microsoft JhengHei" panose="020B0604030504040204" pitchFamily="34" charset="-120"/>
               <a:ea typeface="Microsoft JhengHei" panose="020B0604030504040204" pitchFamily="34" charset="-120"/>
             </a:endParaRPr>
@@ -4169,17 +4229,27 @@
                 <a:latin typeface="微軟正黑體" pitchFamily="34" charset="-120"/>
                 <a:ea typeface="微軟正黑體" pitchFamily="34" charset="-120"/>
               </a:rPr>
-              <a:t>袮</a:t>
-            </a:r>
-            <a:r>
-              <a:rPr lang="zh-TW" altLang="en-US" sz="4800" b="1" dirty="0">
+              <a:t>祢</a:t>
+            </a:r>
+            <a:r>
+              <a:rPr lang="zh-TW" altLang="en-US" sz="4800" b="1" dirty="0" smtClean="0">
                 <a:solidFill>
                   <a:srgbClr val="660033"/>
                 </a:solidFill>
                 <a:latin typeface="微軟正黑體" pitchFamily="34" charset="-120"/>
                 <a:ea typeface="微軟正黑體" pitchFamily="34" charset="-120"/>
               </a:rPr>
-              <a:t>已挪去我所有傷悲</a:t>
+              <a:t>已</a:t>
+            </a:r>
+            <a:r>
+              <a:rPr lang="zh-TW" altLang="en-US" sz="4800" b="1" dirty="0">
+                <a:solidFill>
+                  <a:srgbClr val="660033"/>
+                </a:solidFill>
+                <a:latin typeface="微軟正黑體" pitchFamily="34" charset="-120"/>
+                <a:ea typeface="微軟正黑體" pitchFamily="34" charset="-120"/>
+              </a:rPr>
+              <a:t>挪去我所有傷悲</a:t>
             </a:r>
             <a:endParaRPr lang="en-US" altLang="zh-TW" sz="4800" b="1" dirty="0">
               <a:solidFill>
@@ -4201,17 +4271,27 @@
                 <a:latin typeface="微軟正黑體" pitchFamily="34" charset="-120"/>
                 <a:ea typeface="微軟正黑體" pitchFamily="34" charset="-120"/>
               </a:rPr>
-              <a:t>袮</a:t>
-            </a:r>
-            <a:r>
-              <a:rPr lang="zh-TW" altLang="en-US" sz="4800" b="1" dirty="0">
+              <a:t>祢</a:t>
+            </a:r>
+            <a:r>
+              <a:rPr lang="zh-TW" altLang="en-US" sz="4800" b="1" dirty="0" smtClean="0">
                 <a:solidFill>
                   <a:srgbClr val="660033"/>
                 </a:solidFill>
                 <a:latin typeface="微軟正黑體" pitchFamily="34" charset="-120"/>
                 <a:ea typeface="微軟正黑體" pitchFamily="34" charset="-120"/>
               </a:rPr>
-              <a:t>的名配得所有頌讚</a:t>
+              <a:t>的</a:t>
+            </a:r>
+            <a:r>
+              <a:rPr lang="zh-TW" altLang="en-US" sz="4800" b="1" dirty="0">
+                <a:solidFill>
+                  <a:srgbClr val="660033"/>
+                </a:solidFill>
+                <a:latin typeface="微軟正黑體" pitchFamily="34" charset="-120"/>
+                <a:ea typeface="微軟正黑體" pitchFamily="34" charset="-120"/>
+              </a:rPr>
+              <a:t>名配得所有頌讚</a:t>
             </a:r>
           </a:p>
         </p:txBody>
@@ -4224,8 +4304,8 @@
         </p:nvSpPr>
         <p:spPr>
           <a:xfrm>
-            <a:off x="0" y="3939902"/>
-            <a:ext cx="9144000" cy="646331"/>
+            <a:off x="0" y="3970680"/>
+            <a:ext cx="9144000" cy="584775"/>
           </a:xfrm>
           <a:prstGeom prst="rect">
             <a:avLst/>
@@ -4240,54 +4320,49 @@
           <a:p>
             <a:pPr algn="ctr"/>
             <a:r>
-              <a:rPr lang="en-US" sz="3600" b="1" dirty="0">
-                <a:solidFill>
-                  <a:srgbClr val="660033"/>
-                </a:solidFill>
-                <a:effectLst/>
+              <a:rPr lang="en-US" sz="3200" b="1" dirty="0">
+                <a:solidFill>
+                  <a:srgbClr val="660033"/>
+                </a:solidFill>
                 <a:latin typeface="Microsoft JhengHei" panose="020B0604030504040204" pitchFamily="34" charset="-120"/>
                 <a:ea typeface="Microsoft JhengHei" panose="020B0604030504040204" pitchFamily="34" charset="-120"/>
               </a:rPr>
               <a:t>( </a:t>
             </a:r>
             <a:r>
-              <a:rPr lang="zh-CN" altLang="en-US" sz="3600" b="1" dirty="0" smtClean="0">
-                <a:solidFill>
-                  <a:srgbClr val="660033"/>
-                </a:solidFill>
-                <a:effectLst/>
+              <a:rPr lang="zh-CN" altLang="en-US" sz="3200" b="1" dirty="0">
+                <a:solidFill>
+                  <a:srgbClr val="660033"/>
+                </a:solidFill>
                 <a:latin typeface="Microsoft JhengHei" panose="020B0604030504040204" pitchFamily="34" charset="-120"/>
                 <a:ea typeface="Microsoft JhengHei" panose="020B0604030504040204" pitchFamily="34" charset="-120"/>
               </a:rPr>
               <a:t>橋</a:t>
             </a:r>
             <a:r>
-              <a:rPr lang="en-US" sz="3600" b="1" dirty="0" smtClean="0">
-                <a:solidFill>
-                  <a:srgbClr val="660033"/>
-                </a:solidFill>
-                <a:effectLst/>
+              <a:rPr lang="en-US" sz="3200" b="1" dirty="0">
+                <a:solidFill>
+                  <a:srgbClr val="660033"/>
+                </a:solidFill>
                 <a:latin typeface="Microsoft JhengHei" panose="020B0604030504040204" pitchFamily="34" charset="-120"/>
                 <a:ea typeface="Microsoft JhengHei" panose="020B0604030504040204" pitchFamily="34" charset="-120"/>
               </a:rPr>
               <a:t> </a:t>
             </a:r>
             <a:r>
-              <a:rPr lang="en-US" sz="3600" b="1" dirty="0">
-                <a:solidFill>
-                  <a:srgbClr val="660033"/>
-                </a:solidFill>
-                <a:effectLst/>
+              <a:rPr lang="en-US" sz="3200" b="1" dirty="0">
+                <a:solidFill>
+                  <a:srgbClr val="660033"/>
+                </a:solidFill>
                 <a:latin typeface="Microsoft JhengHei" panose="020B0604030504040204" pitchFamily="34" charset="-120"/>
                 <a:ea typeface="Microsoft JhengHei" panose="020B0604030504040204" pitchFamily="34" charset="-120"/>
               </a:rPr>
               <a:t>)</a:t>
             </a:r>
-            <a:endParaRPr lang="vi-VN" sz="3600" b="1" dirty="0">
+            <a:endParaRPr lang="vi-VN" sz="3200" b="1" dirty="0">
               <a:solidFill>
                 <a:srgbClr val="660033"/>
               </a:solidFill>
-              <a:effectLst/>
               <a:latin typeface="Microsoft JhengHei" panose="020B0604030504040204" pitchFamily="34" charset="-120"/>
               <a:ea typeface="Microsoft JhengHei" panose="020B0604030504040204" pitchFamily="34" charset="-120"/>
             </a:endParaRPr>
